--- a/documents/Slide.pptx
+++ b/documents/Slide.pptx
@@ -4727,7 +4727,13 @@
               <a:rPr lang="en-US" altLang="ko-KR" sz="3600" dirty="0">
                 <a:ea typeface="맑은 고딕" pitchFamily="50" charset="-127"/>
               </a:rPr>
-              <a:t>LEGEND OF WORLD</a:t>
+              <a:t>LEGEND OF </a:t>
+            </a:r>
+            <a:r>
+              <a:rPr lang="en-US" altLang="ko-KR" dirty="0">
+                <a:ea typeface="맑은 고딕" pitchFamily="50" charset="-127"/>
+              </a:rPr>
+              <a:t>PIRATE</a:t>
             </a:r>
             <a:endParaRPr lang="en-US" altLang="ko-KR" sz="3600" dirty="0"/>
           </a:p>
@@ -4756,53 +4762,11 @@
             </a:pPr>
             <a:r>
               <a:rPr lang="en-US" altLang="ko-KR" sz="1200" dirty="0"/>
-              <a:t>2D RPG MOBILE GAME – USING COCOS2D-X ENGINE</a:t>
+              <a:t>2D HYPER CASUAL GAME – USING UNITY3D ENGINE</a:t>
             </a:r>
           </a:p>
         </p:txBody>
       </p:sp>
-      <p:pic>
-        <p:nvPicPr>
-          <p:cNvPr id="8" name="Hình ảnh 7" descr="Ảnh có chứa màn hình, thiết bị điện tử, điện thoại, đang ngồi&#10;&#10;Mô tả được tạo tự động">
-            <a:extLst>
-              <a:ext uri="{FF2B5EF4-FFF2-40B4-BE49-F238E27FC236}">
-                <a16:creationId xmlns:a16="http://schemas.microsoft.com/office/drawing/2014/main" id="{C24F0DF1-D20A-49FE-A370-4826FB1D7AB8}"/>
-              </a:ext>
-            </a:extLst>
-          </p:cNvPr>
-          <p:cNvPicPr>
-            <a:picLocks noChangeAspect="1"/>
-          </p:cNvPicPr>
-          <p:nvPr/>
-        </p:nvPicPr>
-        <p:blipFill>
-          <a:blip r:embed="rId2">
-            <a:extLst>
-              <a:ext uri="{28A0092B-C50C-407E-A947-70E740481C1C}">
-                <a14:useLocalDpi xmlns:a14="http://schemas.microsoft.com/office/drawing/2010/main" val="0"/>
-              </a:ext>
-            </a:extLst>
-          </a:blip>
-          <a:stretch>
-            <a:fillRect/>
-          </a:stretch>
-        </p:blipFill>
-        <p:spPr>
-          <a:xfrm>
-            <a:off x="1043608" y="0"/>
-            <a:ext cx="6804248" cy="3753311"/>
-          </a:xfrm>
-          <a:prstGeom prst="rect">
-            <a:avLst/>
-          </a:prstGeom>
-          <a:ln>
-            <a:noFill/>
-          </a:ln>
-          <a:effectLst>
-            <a:softEdge rad="112500"/>
-          </a:effectLst>
-        </p:spPr>
-      </p:pic>
       <p:sp>
         <p:nvSpPr>
           <p:cNvPr id="9" name="Text Placeholder 3">
@@ -5032,6 +4996,14 @@
             </a:r>
             <a:r>
               <a:rPr lang="en-US" altLang="ko-KR" sz="1200" dirty="0" err="1"/>
+              <a:t>Hà</a:t>
+            </a:r>
+            <a:r>
+              <a:rPr lang="en-US" altLang="ko-KR" sz="1200" dirty="0"/>
+              <a:t> Nguyễn </a:t>
+            </a:r>
+            <a:r>
+              <a:rPr lang="en-US" altLang="ko-KR" sz="1200" dirty="0" err="1"/>
               <a:t>Hoàng</a:t>
             </a:r>
             <a:r>
@@ -5044,7 +5016,31 @@
             </a:r>
             <a:r>
               <a:rPr lang="en-US" altLang="ko-KR" sz="1200" dirty="0"/>
-              <a:t>( GD17) &amp; Nguyễn </a:t>
+              <a:t>, </a:t>
+            </a:r>
+            <a:r>
+              <a:rPr lang="en-US" altLang="ko-KR" sz="1200" dirty="0" err="1"/>
+              <a:t>Huỳnh</a:t>
+            </a:r>
+            <a:r>
+              <a:rPr lang="en-US" altLang="ko-KR" sz="1200" dirty="0"/>
+              <a:t> </a:t>
+            </a:r>
+            <a:r>
+              <a:rPr lang="en-US" altLang="ko-KR" sz="1200" dirty="0" err="1"/>
+              <a:t>Thiện</a:t>
+            </a:r>
+            <a:r>
+              <a:rPr lang="en-US" altLang="ko-KR" sz="1200" dirty="0"/>
+              <a:t> </a:t>
+            </a:r>
+            <a:r>
+              <a:rPr lang="en-US" altLang="ko-KR" sz="1200" dirty="0" err="1"/>
+              <a:t>Hữu</a:t>
+            </a:r>
+            <a:r>
+              <a:rPr lang="en-US" altLang="ko-KR" sz="1200" dirty="0"/>
+              <a:t> &amp; Nguyễn </a:t>
             </a:r>
             <a:r>
               <a:rPr lang="en-US" altLang="ko-KR" sz="1200" dirty="0" err="1"/>
@@ -5052,7 +5048,7 @@
             </a:r>
             <a:r>
               <a:rPr lang="en-US" altLang="ko-KR" sz="1200" dirty="0"/>
-              <a:t> Quỳnh( GD18)</a:t>
+              <a:t> Quỳnh</a:t>
             </a:r>
           </a:p>
         </p:txBody>
@@ -7347,7 +7343,7 @@
                   </a:solidFill>
                   <a:cs typeface="Arial" pitchFamily="34" charset="0"/>
                 </a:rPr>
-                <a:t>MOBILE</a:t>
+                <a:t>MULTI-PLATFORM</a:t>
               </a:r>
             </a:p>
             <a:p>
@@ -7361,7 +7357,7 @@
                   </a:solidFill>
                   <a:cs typeface="Arial" pitchFamily="34" charset="0"/>
                 </a:rPr>
-                <a:t>RPG GAME</a:t>
+                <a:t>HYPER-CASUAL</a:t>
               </a:r>
             </a:p>
           </p:txBody>
@@ -7507,7 +7503,7 @@
                   </a:solidFill>
                   <a:cs typeface="Arial" pitchFamily="34" charset="0"/>
                 </a:rPr>
-                <a:t>TIÊU DIỆT QUÁI VẬT</a:t>
+                <a:t>BẮN KIM CƯƠNG</a:t>
               </a:r>
             </a:p>
             <a:p>
@@ -7521,7 +7517,7 @@
                   </a:solidFill>
                   <a:cs typeface="Arial" pitchFamily="34" charset="0"/>
                 </a:rPr>
-                <a:t>SỬ DỤNG KỸ NĂNG</a:t>
+                <a:t>OPEN WORLD</a:t>
               </a:r>
               <a:endParaRPr lang="ko-KR" altLang="en-US" sz="1600" dirty="0">
                 <a:solidFill>
@@ -7611,10 +7607,10 @@
         </p:nvGrpSpPr>
         <p:grpSpPr>
           <a:xfrm>
-            <a:off x="5653580" y="1421443"/>
-            <a:ext cx="2934143" cy="1000274"/>
-            <a:chOff x="1446245" y="1535269"/>
-            <a:chExt cx="3031457" cy="1000274"/>
+            <a:off x="5652252" y="884287"/>
+            <a:ext cx="2934143" cy="2491368"/>
+            <a:chOff x="1444873" y="1364048"/>
+            <a:chExt cx="3031457" cy="1376838"/>
           </a:xfrm>
         </p:grpSpPr>
         <p:sp>
@@ -7625,8 +7621,8 @@
           </p:nvSpPr>
           <p:spPr>
             <a:xfrm>
-              <a:off x="1446245" y="2196989"/>
-              <a:ext cx="3023679" cy="338554"/>
+              <a:off x="1444873" y="1663668"/>
+              <a:ext cx="3023679" cy="1077218"/>
             </a:xfrm>
             <a:prstGeom prst="rect">
               <a:avLst/>
@@ -7649,7 +7645,49 @@
                   </a:solidFill>
                   <a:cs typeface="Arial" pitchFamily="34" charset="0"/>
                 </a:rPr>
-                <a:t>COCOS2D-X</a:t>
+                <a:t>UNITY3D</a:t>
+              </a:r>
+            </a:p>
+            <a:p>
+              <a:r>
+                <a:rPr lang="en-US" altLang="ko-KR" sz="1600" dirty="0">
+                  <a:solidFill>
+                    <a:schemeClr val="tx1">
+                      <a:lumMod val="75000"/>
+                      <a:lumOff val="25000"/>
+                    </a:schemeClr>
+                  </a:solidFill>
+                  <a:cs typeface="Arial" pitchFamily="34" charset="0"/>
+                </a:rPr>
+                <a:t>SCALA – AKKA TOOLKIT</a:t>
+              </a:r>
+            </a:p>
+            <a:p>
+              <a:r>
+                <a:rPr lang="en-US" altLang="ko-KR" sz="1600" dirty="0">
+                  <a:solidFill>
+                    <a:schemeClr val="tx1">
+                      <a:lumMod val="75000"/>
+                      <a:lumOff val="25000"/>
+                    </a:schemeClr>
+                  </a:solidFill>
+                  <a:cs typeface="Arial" pitchFamily="34" charset="0"/>
+                </a:rPr>
+                <a:t>RUBY – RALS</a:t>
+              </a:r>
+            </a:p>
+            <a:p>
+              <a:r>
+                <a:rPr lang="en-US" altLang="ko-KR" sz="1600" dirty="0">
+                  <a:solidFill>
+                    <a:schemeClr val="tx1">
+                      <a:lumMod val="75000"/>
+                      <a:lumOff val="25000"/>
+                    </a:schemeClr>
+                  </a:solidFill>
+                  <a:cs typeface="Arial" pitchFamily="34" charset="0"/>
+                </a:rPr>
+                <a:t>C++ - SOCKET IO</a:t>
               </a:r>
             </a:p>
           </p:txBody>
@@ -7662,7 +7700,7 @@
           </p:nvSpPr>
           <p:spPr>
             <a:xfrm>
-              <a:off x="1447617" y="1535269"/>
+              <a:off x="1446245" y="1364048"/>
               <a:ext cx="3030085" cy="707886"/>
             </a:xfrm>
             <a:prstGeom prst="rect">
@@ -7880,44 +7918,41 @@
       </p:sp>
       <p:pic>
         <p:nvPicPr>
-          <p:cNvPr id="9" name="Hình ảnh 8">
+          <p:cNvPr id="4" name="Picture 3">
             <a:extLst>
               <a:ext uri="{FF2B5EF4-FFF2-40B4-BE49-F238E27FC236}">
-                <a16:creationId xmlns:a16="http://schemas.microsoft.com/office/drawing/2014/main" id="{63BF589C-C544-44FA-B2D9-DC51C3988380}"/>
+                <a16:creationId xmlns:a16="http://schemas.microsoft.com/office/drawing/2014/main" id="{AAB90F6F-38BE-460E-ABAF-D2A6C549E00B}"/>
               </a:ext>
             </a:extLst>
           </p:cNvPr>
-          <p:cNvPicPr>
-            <a:picLocks noChangeAspect="1"/>
-          </p:cNvPicPr>
+          <p:cNvPicPr/>
           <p:nvPr/>
         </p:nvPicPr>
         <p:blipFill>
-          <a:blip r:embed="rId2">
+          <a:blip r:embed="rId2" cstate="print">
             <a:extLst>
               <a:ext uri="{28A0092B-C50C-407E-A947-70E740481C1C}">
                 <a14:useLocalDpi xmlns:a14="http://schemas.microsoft.com/office/drawing/2010/main" val="0"/>
               </a:ext>
             </a:extLst>
           </a:blip>
+          <a:srcRect/>
           <a:stretch>
             <a:fillRect/>
           </a:stretch>
         </p:blipFill>
-        <p:spPr>
+        <p:spPr bwMode="auto">
           <a:xfrm>
-            <a:off x="2483768" y="1246607"/>
-            <a:ext cx="4458695" cy="3891580"/>
+            <a:off x="1691680" y="1059582"/>
+            <a:ext cx="5581650" cy="4262120"/>
           </a:xfrm>
           <a:prstGeom prst="rect">
             <a:avLst/>
           </a:prstGeom>
+          <a:noFill/>
           <a:ln>
             <a:noFill/>
           </a:ln>
-          <a:effectLst>
-            <a:softEdge rad="112500"/>
-          </a:effectLst>
         </p:spPr>
       </p:pic>
     </p:spTree>
@@ -7997,55 +8032,6 @@
           </a:p>
         </p:txBody>
       </p:sp>
-      <p:pic>
-        <p:nvPicPr>
-          <p:cNvPr id="4" name="Hình ảnh 3" descr="Ảnh có chứa ảnh, nhiều, che phủ, khác nhau&#10;&#10;Mô tả được tạo tự động">
-            <a:extLst>
-              <a:ext uri="{FF2B5EF4-FFF2-40B4-BE49-F238E27FC236}">
-                <a16:creationId xmlns:a16="http://schemas.microsoft.com/office/drawing/2014/main" id="{B3583155-2617-422C-9732-7261AAFE068F}"/>
-              </a:ext>
-            </a:extLst>
-          </p:cNvPr>
-          <p:cNvPicPr>
-            <a:picLocks noChangeAspect="1"/>
-          </p:cNvPicPr>
-          <p:nvPr/>
-        </p:nvPicPr>
-        <p:blipFill>
-          <a:blip r:embed="rId2">
-            <a:extLst>
-              <a:ext uri="{28A0092B-C50C-407E-A947-70E740481C1C}">
-                <a14:useLocalDpi xmlns:a14="http://schemas.microsoft.com/office/drawing/2010/main" val="0"/>
-              </a:ext>
-            </a:extLst>
-          </a:blip>
-          <a:stretch>
-            <a:fillRect/>
-          </a:stretch>
-        </p:blipFill>
-        <p:spPr>
-          <a:xfrm>
-            <a:off x="809836" y="771550"/>
-            <a:ext cx="7524328" cy="4157222"/>
-          </a:xfrm>
-          <a:prstGeom prst="roundRect">
-            <a:avLst>
-              <a:gd name="adj" fmla="val 8594"/>
-            </a:avLst>
-          </a:prstGeom>
-          <a:solidFill>
-            <a:srgbClr val="FFFFFF">
-              <a:shade val="85000"/>
-            </a:srgbClr>
-          </a:solidFill>
-          <a:ln>
-            <a:noFill/>
-          </a:ln>
-          <a:effectLst>
-            <a:reflection blurRad="12700" stA="38000" endPos="28000" dist="5000" dir="5400000" sy="-100000" algn="bl" rotWithShape="0"/>
-          </a:effectLst>
-        </p:spPr>
-      </p:pic>
     </p:spTree>
     <p:extLst>
       <p:ext uri="{BB962C8B-B14F-4D97-AF65-F5344CB8AC3E}">
@@ -10841,10 +10827,10 @@
         </p:nvGrpSpPr>
         <p:grpSpPr>
           <a:xfrm>
-            <a:off x="7472438" y="3673854"/>
-            <a:ext cx="1319916" cy="678649"/>
-            <a:chOff x="3233964" y="1954419"/>
-            <a:chExt cx="1410044" cy="678649"/>
+            <a:off x="7472438" y="3566133"/>
+            <a:ext cx="1319916" cy="878703"/>
+            <a:chOff x="3233964" y="1846698"/>
+            <a:chExt cx="1410044" cy="878703"/>
           </a:xfrm>
         </p:grpSpPr>
         <p:sp>
@@ -10855,8 +10841,8 @@
           </p:nvSpPr>
           <p:spPr>
             <a:xfrm>
-              <a:off x="3233964" y="1954419"/>
-              <a:ext cx="1400519" cy="307777"/>
+              <a:off x="3233964" y="1846698"/>
+              <a:ext cx="1400519" cy="523220"/>
             </a:xfrm>
             <a:prstGeom prst="rect">
               <a:avLst/>
@@ -10871,13 +10857,40 @@
             <a:p>
               <a:pPr algn="ctr"/>
               <a:r>
+                <a:rPr lang="en-US" altLang="ko-KR" sz="1400" b="1" dirty="0" err="1">
+                  <a:solidFill>
+                    <a:schemeClr val="bg1"/>
+                  </a:solidFill>
+                  <a:cs typeface="Arial" pitchFamily="34" charset="0"/>
+                </a:rPr>
+                <a:t>Mở</a:t>
+              </a:r>
+              <a:r>
                 <a:rPr lang="en-US" altLang="ko-KR" sz="1400" b="1" dirty="0">
                   <a:solidFill>
                     <a:schemeClr val="bg1"/>
                   </a:solidFill>
                   <a:cs typeface="Arial" pitchFamily="34" charset="0"/>
                 </a:rPr>
-                <a:t>Offline</a:t>
+                <a:t> </a:t>
+              </a:r>
+              <a:r>
+                <a:rPr lang="en-US" altLang="ko-KR" sz="1400" b="1" dirty="0" err="1">
+                  <a:solidFill>
+                    <a:schemeClr val="bg1"/>
+                  </a:solidFill>
+                  <a:cs typeface="Arial" pitchFamily="34" charset="0"/>
+                </a:rPr>
+                <a:t>rộng</a:t>
+              </a:r>
+              <a:r>
+                <a:rPr lang="en-US" altLang="ko-KR" sz="1400" b="1" dirty="0">
+                  <a:solidFill>
+                    <a:schemeClr val="bg1"/>
+                  </a:solidFill>
+                  <a:cs typeface="Arial" pitchFamily="34" charset="0"/>
+                </a:rPr>
+                <a:t> DLC</a:t>
               </a:r>
               <a:endParaRPr lang="ko-KR" altLang="en-US" sz="1400" b="1" dirty="0">
                 <a:solidFill>
@@ -10896,8 +10909,8 @@
           </p:nvSpPr>
           <p:spPr>
             <a:xfrm>
-              <a:off x="3243489" y="2356069"/>
-              <a:ext cx="1400519" cy="276999"/>
+              <a:off x="3243489" y="2263736"/>
+              <a:ext cx="1400519" cy="461665"/>
             </a:xfrm>
             <a:prstGeom prst="rect">
               <a:avLst/>
@@ -10912,13 +10925,67 @@
             <a:p>
               <a:pPr algn="ctr"/>
               <a:r>
+                <a:rPr lang="en-US" altLang="ko-KR" sz="1200" dirty="0" err="1">
+                  <a:solidFill>
+                    <a:schemeClr val="bg1"/>
+                  </a:solidFill>
+                  <a:cs typeface="Arial" pitchFamily="34" charset="0"/>
+                </a:rPr>
+                <a:t>Thiết</a:t>
+              </a:r>
+              <a:r>
                 <a:rPr lang="en-US" altLang="ko-KR" sz="1200" dirty="0">
                   <a:solidFill>
                     <a:schemeClr val="bg1"/>
                   </a:solidFill>
                   <a:cs typeface="Arial" pitchFamily="34" charset="0"/>
                 </a:rPr>
-                <a:t>CỐT TRUYỆN</a:t>
+                <a:t> </a:t>
+              </a:r>
+              <a:r>
+                <a:rPr lang="en-US" altLang="ko-KR" sz="1200" dirty="0" err="1">
+                  <a:solidFill>
+                    <a:schemeClr val="bg1"/>
+                  </a:solidFill>
+                  <a:cs typeface="Arial" pitchFamily="34" charset="0"/>
+                </a:rPr>
+                <a:t>kế</a:t>
+              </a:r>
+              <a:r>
+                <a:rPr lang="en-US" altLang="ko-KR" sz="1200" dirty="0">
+                  <a:solidFill>
+                    <a:schemeClr val="bg1"/>
+                  </a:solidFill>
+                  <a:cs typeface="Arial" pitchFamily="34" charset="0"/>
+                </a:rPr>
+                <a:t> </a:t>
+              </a:r>
+              <a:r>
+                <a:rPr lang="en-US" altLang="ko-KR" sz="1200" dirty="0" err="1">
+                  <a:solidFill>
+                    <a:schemeClr val="bg1"/>
+                  </a:solidFill>
+                  <a:cs typeface="Arial" pitchFamily="34" charset="0"/>
+                </a:rPr>
+                <a:t>màn</a:t>
+              </a:r>
+              <a:r>
+                <a:rPr lang="en-US" altLang="ko-KR" sz="1200" dirty="0">
+                  <a:solidFill>
+                    <a:schemeClr val="bg1"/>
+                  </a:solidFill>
+                  <a:cs typeface="Arial" pitchFamily="34" charset="0"/>
+                </a:rPr>
+                <a:t> </a:t>
+              </a:r>
+              <a:r>
+                <a:rPr lang="en-US" altLang="ko-KR" sz="1200" dirty="0" err="1">
+                  <a:solidFill>
+                    <a:schemeClr val="bg1"/>
+                  </a:solidFill>
+                  <a:cs typeface="Arial" pitchFamily="34" charset="0"/>
+                </a:rPr>
+                <a:t>chơi</a:t>
               </a:r>
               <a:endParaRPr lang="ko-KR" altLang="en-US" sz="1200" dirty="0">
                 <a:solidFill>
@@ -11290,10 +11357,10 @@
         </p:nvGrpSpPr>
         <p:grpSpPr>
           <a:xfrm>
-            <a:off x="458002" y="3653481"/>
-            <a:ext cx="1319916" cy="678649"/>
-            <a:chOff x="414112" y="3041945"/>
-            <a:chExt cx="1319916" cy="678649"/>
+            <a:off x="458002" y="3545760"/>
+            <a:ext cx="1319916" cy="878703"/>
+            <a:chOff x="414112" y="2934224"/>
+            <a:chExt cx="1319916" cy="878703"/>
           </a:xfrm>
         </p:grpSpPr>
         <p:sp>
@@ -11304,8 +11371,8 @@
           </p:nvSpPr>
           <p:spPr>
             <a:xfrm>
-              <a:off x="414112" y="3041945"/>
-              <a:ext cx="1311000" cy="307777"/>
+              <a:off x="414112" y="2934224"/>
+              <a:ext cx="1311000" cy="523220"/>
             </a:xfrm>
             <a:prstGeom prst="rect">
               <a:avLst/>
@@ -11320,6 +11387,18 @@
             <a:p>
               <a:pPr algn="ctr"/>
               <a:r>
+                <a:rPr lang="en-US" altLang="ko-KR" sz="1400" b="1" dirty="0" err="1">
+                  <a:solidFill>
+                    <a:schemeClr val="tx1">
+                      <a:lumMod val="75000"/>
+                      <a:lumOff val="25000"/>
+                    </a:schemeClr>
+                  </a:solidFill>
+                  <a:cs typeface="Arial" pitchFamily="34" charset="0"/>
+                </a:rPr>
+                <a:t>Mở</a:t>
+              </a:r>
+              <a:r>
                 <a:rPr lang="en-US" altLang="ko-KR" sz="1400" b="1" dirty="0">
                   <a:solidFill>
                     <a:schemeClr val="tx1">
@@ -11329,7 +11408,31 @@
                   </a:solidFill>
                   <a:cs typeface="Arial" pitchFamily="34" charset="0"/>
                 </a:rPr>
-                <a:t>Online</a:t>
+                <a:t> </a:t>
+              </a:r>
+              <a:r>
+                <a:rPr lang="en-US" altLang="ko-KR" sz="1400" b="1" dirty="0" err="1">
+                  <a:solidFill>
+                    <a:schemeClr val="tx1">
+                      <a:lumMod val="75000"/>
+                      <a:lumOff val="25000"/>
+                    </a:schemeClr>
+                  </a:solidFill>
+                  <a:cs typeface="Arial" pitchFamily="34" charset="0"/>
+                </a:rPr>
+                <a:t>rộng</a:t>
+              </a:r>
+              <a:r>
+                <a:rPr lang="en-US" altLang="ko-KR" sz="1400" b="1" dirty="0">
+                  <a:solidFill>
+                    <a:schemeClr val="tx1">
+                      <a:lumMod val="75000"/>
+                      <a:lumOff val="25000"/>
+                    </a:schemeClr>
+                  </a:solidFill>
+                  <a:cs typeface="Arial" pitchFamily="34" charset="0"/>
+                </a:rPr>
+                <a:t> game</a:t>
               </a:r>
               <a:endParaRPr lang="ko-KR" altLang="en-US" sz="1400" b="1" dirty="0">
                 <a:solidFill>
@@ -11351,8 +11454,8 @@
           </p:nvSpPr>
           <p:spPr>
             <a:xfrm>
-              <a:off x="423028" y="3443595"/>
-              <a:ext cx="1311000" cy="276999"/>
+              <a:off x="423028" y="3351262"/>
+              <a:ext cx="1311000" cy="461665"/>
             </a:xfrm>
             <a:prstGeom prst="rect">
               <a:avLst/>
@@ -11367,6 +11470,18 @@
             <a:p>
               <a:pPr algn="ctr"/>
               <a:r>
+                <a:rPr lang="en-US" altLang="ko-KR" sz="1200" dirty="0" err="1">
+                  <a:solidFill>
+                    <a:schemeClr val="tx1">
+                      <a:lumMod val="75000"/>
+                      <a:lumOff val="25000"/>
+                    </a:schemeClr>
+                  </a:solidFill>
+                  <a:cs typeface="Arial" pitchFamily="34" charset="0"/>
+                </a:rPr>
+                <a:t>Hệ</a:t>
+              </a:r>
+              <a:r>
                 <a:rPr lang="en-US" altLang="ko-KR" sz="1200" dirty="0">
                   <a:solidFill>
                     <a:schemeClr val="tx1">
@@ -11376,7 +11491,67 @@
                   </a:solidFill>
                   <a:cs typeface="Arial" pitchFamily="34" charset="0"/>
                 </a:rPr>
-                <a:t>TƯƠNG TÁC. </a:t>
+                <a:t> </a:t>
+              </a:r>
+              <a:r>
+                <a:rPr lang="en-US" altLang="ko-KR" sz="1200" dirty="0" err="1">
+                  <a:solidFill>
+                    <a:schemeClr val="tx1">
+                      <a:lumMod val="75000"/>
+                      <a:lumOff val="25000"/>
+                    </a:schemeClr>
+                  </a:solidFill>
+                  <a:cs typeface="Arial" pitchFamily="34" charset="0"/>
+                </a:rPr>
+                <a:t>thống</a:t>
+              </a:r>
+              <a:r>
+                <a:rPr lang="en-US" altLang="ko-KR" sz="1200" dirty="0">
+                  <a:solidFill>
+                    <a:schemeClr val="tx1">
+                      <a:lumMod val="75000"/>
+                      <a:lumOff val="25000"/>
+                    </a:schemeClr>
+                  </a:solidFill>
+                  <a:cs typeface="Arial" pitchFamily="34" charset="0"/>
+                </a:rPr>
+                <a:t> </a:t>
+              </a:r>
+              <a:r>
+                <a:rPr lang="en-US" altLang="ko-KR" sz="1200" dirty="0" err="1">
+                  <a:solidFill>
+                    <a:schemeClr val="tx1">
+                      <a:lumMod val="75000"/>
+                      <a:lumOff val="25000"/>
+                    </a:schemeClr>
+                  </a:solidFill>
+                  <a:cs typeface="Arial" pitchFamily="34" charset="0"/>
+                </a:rPr>
+                <a:t>cốt</a:t>
+              </a:r>
+              <a:r>
+                <a:rPr lang="en-US" altLang="ko-KR" sz="1200" dirty="0">
+                  <a:solidFill>
+                    <a:schemeClr val="tx1">
+                      <a:lumMod val="75000"/>
+                      <a:lumOff val="25000"/>
+                    </a:schemeClr>
+                  </a:solidFill>
+                  <a:cs typeface="Arial" pitchFamily="34" charset="0"/>
+                </a:rPr>
+                <a:t> </a:t>
+              </a:r>
+              <a:r>
+                <a:rPr lang="en-US" altLang="ko-KR" sz="1200" dirty="0" err="1">
+                  <a:solidFill>
+                    <a:schemeClr val="tx1">
+                      <a:lumMod val="75000"/>
+                      <a:lumOff val="25000"/>
+                    </a:schemeClr>
+                  </a:solidFill>
+                  <a:cs typeface="Arial" pitchFamily="34" charset="0"/>
+                </a:rPr>
+                <a:t>truyện</a:t>
               </a:r>
               <a:endParaRPr lang="ko-KR" altLang="en-US" sz="1200" dirty="0">
                 <a:solidFill>

--- a/documents/Slide.pptx
+++ b/documents/Slide.pptx
@@ -11,7 +11,7 @@
     <p:sldId id="261" r:id="rId5"/>
     <p:sldId id="265" r:id="rId6"/>
     <p:sldId id="294" r:id="rId7"/>
-    <p:sldId id="304" r:id="rId8"/>
+    <p:sldId id="295" r:id="rId8"/>
     <p:sldId id="288" r:id="rId9"/>
     <p:sldId id="290" r:id="rId10"/>
     <p:sldId id="271" r:id="rId11"/>
@@ -5016,30 +5016,6 @@
             </a:r>
             <a:r>
               <a:rPr lang="en-US" altLang="ko-KR" sz="1200" dirty="0"/>
-              <a:t>, </a:t>
-            </a:r>
-            <a:r>
-              <a:rPr lang="en-US" altLang="ko-KR" sz="1200" dirty="0" err="1"/>
-              <a:t>Huỳnh</a:t>
-            </a:r>
-            <a:r>
-              <a:rPr lang="en-US" altLang="ko-KR" sz="1200" dirty="0"/>
-              <a:t> </a:t>
-            </a:r>
-            <a:r>
-              <a:rPr lang="en-US" altLang="ko-KR" sz="1200" dirty="0" err="1"/>
-              <a:t>Thiện</a:t>
-            </a:r>
-            <a:r>
-              <a:rPr lang="en-US" altLang="ko-KR" sz="1200" dirty="0"/>
-              <a:t> </a:t>
-            </a:r>
-            <a:r>
-              <a:rPr lang="en-US" altLang="ko-KR" sz="1200" dirty="0" err="1"/>
-              <a:t>Hữu</a:t>
-            </a:r>
-            <a:r>
-              <a:rPr lang="en-US" altLang="ko-KR" sz="1200" dirty="0"/>
               <a:t> &amp; Nguyễn </a:t>
             </a:r>
             <a:r>
@@ -7503,7 +7479,7 @@
                   </a:solidFill>
                   <a:cs typeface="Arial" pitchFamily="34" charset="0"/>
                 </a:rPr>
-                <a:t>BẮN KIM CƯƠNG</a:t>
+                <a:t>LEGEND OF PIRATE</a:t>
               </a:r>
             </a:p>
             <a:p>
@@ -7517,7 +7493,7 @@
                   </a:solidFill>
                   <a:cs typeface="Arial" pitchFamily="34" charset="0"/>
                 </a:rPr>
-                <a:t>OPEN WORLD</a:t>
+                <a:t>(OPEN WORLD)</a:t>
               </a:r>
               <a:endParaRPr lang="ko-KR" altLang="en-US" sz="1600" dirty="0">
                 <a:solidFill>
@@ -7607,10 +7583,10 @@
         </p:nvGrpSpPr>
         <p:grpSpPr>
           <a:xfrm>
-            <a:off x="5652252" y="884287"/>
-            <a:ext cx="2934143" cy="2491368"/>
+            <a:off x="5652252" y="884288"/>
+            <a:ext cx="2934143" cy="1809151"/>
             <a:chOff x="1444873" y="1364048"/>
-            <a:chExt cx="3031457" cy="1376838"/>
+            <a:chExt cx="3031457" cy="999815"/>
           </a:xfrm>
         </p:grpSpPr>
         <p:sp>
@@ -7621,8 +7597,8 @@
           </p:nvSpPr>
           <p:spPr>
             <a:xfrm>
-              <a:off x="1444873" y="1663668"/>
-              <a:ext cx="3023679" cy="1077218"/>
+              <a:off x="1444873" y="2040691"/>
+              <a:ext cx="3023679" cy="323172"/>
             </a:xfrm>
             <a:prstGeom prst="rect">
               <a:avLst/>
@@ -7645,7 +7621,7 @@
                   </a:solidFill>
                   <a:cs typeface="Arial" pitchFamily="34" charset="0"/>
                 </a:rPr>
-                <a:t>UNITY3D</a:t>
+                <a:t>C# - UNITY3D</a:t>
               </a:r>
             </a:p>
             <a:p>
@@ -7659,35 +7635,7 @@
                   </a:solidFill>
                   <a:cs typeface="Arial" pitchFamily="34" charset="0"/>
                 </a:rPr>
-                <a:t>SCALA – AKKA TOOLKIT</a:t>
-              </a:r>
-            </a:p>
-            <a:p>
-              <a:r>
-                <a:rPr lang="en-US" altLang="ko-KR" sz="1600" dirty="0">
-                  <a:solidFill>
-                    <a:schemeClr val="tx1">
-                      <a:lumMod val="75000"/>
-                      <a:lumOff val="25000"/>
-                    </a:schemeClr>
-                  </a:solidFill>
-                  <a:cs typeface="Arial" pitchFamily="34" charset="0"/>
-                </a:rPr>
-                <a:t>RUBY – RALS</a:t>
-              </a:r>
-            </a:p>
-            <a:p>
-              <a:r>
-                <a:rPr lang="en-US" altLang="ko-KR" sz="1600" dirty="0">
-                  <a:solidFill>
-                    <a:schemeClr val="tx1">
-                      <a:lumMod val="75000"/>
-                      <a:lumOff val="25000"/>
-                    </a:schemeClr>
-                  </a:solidFill>
-                  <a:cs typeface="Arial" pitchFamily="34" charset="0"/>
-                </a:rPr>
-                <a:t>C++ - SOCKET IO</a:t>
+                <a:t>SCALA - AKKA TOOLKIT</a:t>
               </a:r>
             </a:p>
           </p:txBody>
@@ -7943,7 +7891,7 @@
         </p:blipFill>
         <p:spPr bwMode="auto">
           <a:xfrm>
-            <a:off x="1691680" y="1059582"/>
+            <a:off x="1907704" y="870006"/>
             <a:ext cx="5581650" cy="4262120"/>
           </a:xfrm>
           <a:prstGeom prst="rect">
@@ -8032,10 +7980,855 @@
           </a:p>
         </p:txBody>
       </p:sp>
+      <p:sp>
+        <p:nvSpPr>
+          <p:cNvPr id="4" name="Oval 3"/>
+          <p:cNvSpPr/>
+          <p:nvPr/>
+        </p:nvSpPr>
+        <p:spPr>
+          <a:xfrm>
+            <a:off x="4849012" y="1690289"/>
+            <a:ext cx="693414" cy="693414"/>
+          </a:xfrm>
+          <a:prstGeom prst="ellipse">
+            <a:avLst/>
+          </a:prstGeom>
+          <a:solidFill>
+            <a:schemeClr val="accent2"/>
+          </a:solidFill>
+          <a:ln>
+            <a:noFill/>
+          </a:ln>
+        </p:spPr>
+        <p:style>
+          <a:lnRef idx="2">
+            <a:schemeClr val="accent1">
+              <a:shade val="50000"/>
+            </a:schemeClr>
+          </a:lnRef>
+          <a:fillRef idx="1">
+            <a:schemeClr val="accent1"/>
+          </a:fillRef>
+          <a:effectRef idx="0">
+            <a:schemeClr val="accent1"/>
+          </a:effectRef>
+          <a:fontRef idx="minor">
+            <a:schemeClr val="lt1"/>
+          </a:fontRef>
+        </p:style>
+        <p:txBody>
+          <a:bodyPr rtlCol="0" anchor="ctr"/>
+          <a:lstStyle/>
+          <a:p>
+            <a:pPr algn="ctr"/>
+            <a:endParaRPr lang="ko-KR" altLang="en-US"/>
+          </a:p>
+        </p:txBody>
+      </p:sp>
+      <p:sp>
+        <p:nvSpPr>
+          <p:cNvPr id="5" name="Oval 4"/>
+          <p:cNvSpPr/>
+          <p:nvPr/>
+        </p:nvSpPr>
+        <p:spPr>
+          <a:xfrm>
+            <a:off x="672724" y="1690289"/>
+            <a:ext cx="693414" cy="693414"/>
+          </a:xfrm>
+          <a:prstGeom prst="ellipse">
+            <a:avLst/>
+          </a:prstGeom>
+          <a:solidFill>
+            <a:schemeClr val="accent1"/>
+          </a:solidFill>
+          <a:ln>
+            <a:noFill/>
+          </a:ln>
+        </p:spPr>
+        <p:style>
+          <a:lnRef idx="2">
+            <a:schemeClr val="accent1">
+              <a:shade val="50000"/>
+            </a:schemeClr>
+          </a:lnRef>
+          <a:fillRef idx="1">
+            <a:schemeClr val="accent1"/>
+          </a:fillRef>
+          <a:effectRef idx="0">
+            <a:schemeClr val="accent1"/>
+          </a:effectRef>
+          <a:fontRef idx="minor">
+            <a:schemeClr val="lt1"/>
+          </a:fontRef>
+        </p:style>
+        <p:txBody>
+          <a:bodyPr rtlCol="0" anchor="ctr"/>
+          <a:lstStyle/>
+          <a:p>
+            <a:pPr algn="ctr"/>
+            <a:endParaRPr lang="ko-KR" altLang="en-US"/>
+          </a:p>
+        </p:txBody>
+      </p:sp>
+      <p:sp>
+        <p:nvSpPr>
+          <p:cNvPr id="6" name="Oval 5"/>
+          <p:cNvSpPr/>
+          <p:nvPr/>
+        </p:nvSpPr>
+        <p:spPr>
+          <a:xfrm>
+            <a:off x="2699792" y="3255977"/>
+            <a:ext cx="693414" cy="693414"/>
+          </a:xfrm>
+          <a:prstGeom prst="ellipse">
+            <a:avLst/>
+          </a:prstGeom>
+          <a:solidFill>
+            <a:schemeClr val="accent4"/>
+          </a:solidFill>
+          <a:ln>
+            <a:noFill/>
+          </a:ln>
+        </p:spPr>
+        <p:style>
+          <a:lnRef idx="2">
+            <a:schemeClr val="accent1">
+              <a:shade val="50000"/>
+            </a:schemeClr>
+          </a:lnRef>
+          <a:fillRef idx="1">
+            <a:schemeClr val="accent1"/>
+          </a:fillRef>
+          <a:effectRef idx="0">
+            <a:schemeClr val="accent1"/>
+          </a:effectRef>
+          <a:fontRef idx="minor">
+            <a:schemeClr val="lt1"/>
+          </a:fontRef>
+        </p:style>
+        <p:txBody>
+          <a:bodyPr rtlCol="0" anchor="ctr"/>
+          <a:lstStyle/>
+          <a:p>
+            <a:pPr algn="ctr"/>
+            <a:endParaRPr lang="ko-KR" altLang="en-US"/>
+          </a:p>
+        </p:txBody>
+      </p:sp>
+      <p:sp>
+        <p:nvSpPr>
+          <p:cNvPr id="8" name="TextBox 7"/>
+          <p:cNvSpPr txBox="1"/>
+          <p:nvPr/>
+        </p:nvSpPr>
+        <p:spPr>
+          <a:xfrm>
+            <a:off x="717112" y="1821553"/>
+            <a:ext cx="604639" cy="430887"/>
+          </a:xfrm>
+          <a:prstGeom prst="rect">
+            <a:avLst/>
+          </a:prstGeom>
+          <a:noFill/>
+        </p:spPr>
+        <p:txBody>
+          <a:bodyPr wrap="square" tIns="0" bIns="0" rtlCol="0" anchor="ctr">
+            <a:spAutoFit/>
+          </a:bodyPr>
+          <a:lstStyle/>
+          <a:p>
+            <a:r>
+              <a:rPr lang="en-US" altLang="ko-KR" sz="2800" b="1" dirty="0">
+                <a:solidFill>
+                  <a:schemeClr val="bg1"/>
+                </a:solidFill>
+                <a:cs typeface="Arial" pitchFamily="34" charset="0"/>
+              </a:rPr>
+              <a:t>01</a:t>
+            </a:r>
+          </a:p>
+        </p:txBody>
+      </p:sp>
+      <p:sp>
+        <p:nvSpPr>
+          <p:cNvPr id="9" name="TextBox 8"/>
+          <p:cNvSpPr txBox="1"/>
+          <p:nvPr/>
+        </p:nvSpPr>
+        <p:spPr>
+          <a:xfrm>
+            <a:off x="2744179" y="3387241"/>
+            <a:ext cx="604639" cy="430887"/>
+          </a:xfrm>
+          <a:prstGeom prst="rect">
+            <a:avLst/>
+          </a:prstGeom>
+          <a:noFill/>
+        </p:spPr>
+        <p:txBody>
+          <a:bodyPr wrap="square" tIns="0" bIns="0" rtlCol="0" anchor="ctr">
+            <a:spAutoFit/>
+          </a:bodyPr>
+          <a:lstStyle/>
+          <a:p>
+            <a:r>
+              <a:rPr lang="en-US" altLang="ko-KR" sz="2800" b="1" dirty="0">
+                <a:solidFill>
+                  <a:schemeClr val="bg1"/>
+                </a:solidFill>
+                <a:cs typeface="Arial" pitchFamily="34" charset="0"/>
+              </a:rPr>
+              <a:t>03</a:t>
+            </a:r>
+          </a:p>
+        </p:txBody>
+      </p:sp>
+      <p:sp>
+        <p:nvSpPr>
+          <p:cNvPr id="10" name="TextBox 9"/>
+          <p:cNvSpPr txBox="1"/>
+          <p:nvPr/>
+        </p:nvSpPr>
+        <p:spPr>
+          <a:xfrm>
+            <a:off x="4893400" y="1821553"/>
+            <a:ext cx="604639" cy="430887"/>
+          </a:xfrm>
+          <a:prstGeom prst="rect">
+            <a:avLst/>
+          </a:prstGeom>
+          <a:noFill/>
+        </p:spPr>
+        <p:txBody>
+          <a:bodyPr wrap="square" tIns="0" bIns="0" rtlCol="0" anchor="ctr">
+            <a:spAutoFit/>
+          </a:bodyPr>
+          <a:lstStyle/>
+          <a:p>
+            <a:r>
+              <a:rPr lang="en-US" altLang="ko-KR" sz="2800" b="1" dirty="0">
+                <a:solidFill>
+                  <a:schemeClr val="bg1"/>
+                </a:solidFill>
+                <a:cs typeface="Arial" pitchFamily="34" charset="0"/>
+              </a:rPr>
+              <a:t>02</a:t>
+            </a:r>
+          </a:p>
+        </p:txBody>
+      </p:sp>
+      <p:sp>
+        <p:nvSpPr>
+          <p:cNvPr id="11" name="TextBox 10"/>
+          <p:cNvSpPr txBox="1"/>
+          <p:nvPr/>
+        </p:nvSpPr>
+        <p:spPr>
+          <a:xfrm>
+            <a:off x="4893400" y="3458493"/>
+            <a:ext cx="604639" cy="430887"/>
+          </a:xfrm>
+          <a:prstGeom prst="rect">
+            <a:avLst/>
+          </a:prstGeom>
+          <a:noFill/>
+        </p:spPr>
+        <p:txBody>
+          <a:bodyPr wrap="square" tIns="0" bIns="0" rtlCol="0" anchor="ctr">
+            <a:spAutoFit/>
+          </a:bodyPr>
+          <a:lstStyle/>
+          <a:p>
+            <a:r>
+              <a:rPr lang="en-US" altLang="ko-KR" sz="2800" b="1" dirty="0">
+                <a:solidFill>
+                  <a:schemeClr val="bg1"/>
+                </a:solidFill>
+                <a:cs typeface="Arial" pitchFamily="34" charset="0"/>
+              </a:rPr>
+              <a:t>04</a:t>
+            </a:r>
+          </a:p>
+        </p:txBody>
+      </p:sp>
+      <p:grpSp>
+        <p:nvGrpSpPr>
+          <p:cNvPr id="12" name="Group 11"/>
+          <p:cNvGrpSpPr/>
+          <p:nvPr/>
+        </p:nvGrpSpPr>
+        <p:grpSpPr>
+          <a:xfrm>
+            <a:off x="1432669" y="1421443"/>
+            <a:ext cx="2932815" cy="1169551"/>
+            <a:chOff x="1448989" y="1533725"/>
+            <a:chExt cx="3030085" cy="1169551"/>
+          </a:xfrm>
+        </p:grpSpPr>
+        <p:sp>
+          <p:nvSpPr>
+            <p:cNvPr id="13" name="TextBox 12"/>
+            <p:cNvSpPr txBox="1"/>
+            <p:nvPr/>
+          </p:nvSpPr>
+          <p:spPr>
+            <a:xfrm>
+              <a:off x="1454023" y="1872279"/>
+              <a:ext cx="3023679" cy="830997"/>
+            </a:xfrm>
+            <a:prstGeom prst="rect">
+              <a:avLst/>
+            </a:prstGeom>
+            <a:noFill/>
+          </p:spPr>
+          <p:txBody>
+            <a:bodyPr wrap="square" rtlCol="0" anchor="ctr">
+              <a:spAutoFit/>
+            </a:bodyPr>
+            <a:lstStyle/>
+            <a:p>
+              <a:r>
+                <a:rPr lang="en-US" altLang="ko-KR" sz="1600" dirty="0" err="1">
+                  <a:solidFill>
+                    <a:schemeClr val="tx1">
+                      <a:lumMod val="75000"/>
+                      <a:lumOff val="25000"/>
+                    </a:schemeClr>
+                  </a:solidFill>
+                  <a:cs typeface="Arial" pitchFamily="34" charset="0"/>
+                </a:rPr>
+                <a:t>Cách</a:t>
+              </a:r>
+              <a:r>
+                <a:rPr lang="en-US" altLang="ko-KR" sz="1600" dirty="0">
+                  <a:solidFill>
+                    <a:schemeClr val="tx1">
+                      <a:lumMod val="75000"/>
+                      <a:lumOff val="25000"/>
+                    </a:schemeClr>
+                  </a:solidFill>
+                  <a:cs typeface="Arial" pitchFamily="34" charset="0"/>
+                </a:rPr>
+                <a:t> </a:t>
+              </a:r>
+              <a:r>
+                <a:rPr lang="en-US" altLang="ko-KR" sz="1600" dirty="0" err="1">
+                  <a:solidFill>
+                    <a:schemeClr val="tx1">
+                      <a:lumMod val="75000"/>
+                      <a:lumOff val="25000"/>
+                    </a:schemeClr>
+                  </a:solidFill>
+                  <a:cs typeface="Arial" pitchFamily="34" charset="0"/>
+                </a:rPr>
+                <a:t>chơi</a:t>
+              </a:r>
+              <a:endParaRPr lang="en-US" altLang="ko-KR" sz="1600" dirty="0">
+                <a:solidFill>
+                  <a:schemeClr val="tx1">
+                    <a:lumMod val="75000"/>
+                    <a:lumOff val="25000"/>
+                  </a:schemeClr>
+                </a:solidFill>
+                <a:cs typeface="Arial" pitchFamily="34" charset="0"/>
+              </a:endParaRPr>
+            </a:p>
+            <a:p>
+              <a:r>
+                <a:rPr lang="en-US" altLang="ko-KR" sz="1600" dirty="0" err="1">
+                  <a:solidFill>
+                    <a:schemeClr val="tx1">
+                      <a:lumMod val="75000"/>
+                      <a:lumOff val="25000"/>
+                    </a:schemeClr>
+                  </a:solidFill>
+                  <a:cs typeface="Arial" pitchFamily="34" charset="0"/>
+                </a:rPr>
+                <a:t>Các</a:t>
+              </a:r>
+              <a:r>
+                <a:rPr lang="en-US" altLang="ko-KR" sz="1600" dirty="0">
+                  <a:solidFill>
+                    <a:schemeClr val="tx1">
+                      <a:lumMod val="75000"/>
+                      <a:lumOff val="25000"/>
+                    </a:schemeClr>
+                  </a:solidFill>
+                  <a:cs typeface="Arial" pitchFamily="34" charset="0"/>
+                </a:rPr>
+                <a:t> </a:t>
+              </a:r>
+              <a:r>
+                <a:rPr lang="en-US" altLang="ko-KR" sz="1600" dirty="0" err="1">
+                  <a:solidFill>
+                    <a:schemeClr val="tx1">
+                      <a:lumMod val="75000"/>
+                      <a:lumOff val="25000"/>
+                    </a:schemeClr>
+                  </a:solidFill>
+                  <a:cs typeface="Arial" pitchFamily="34" charset="0"/>
+                </a:rPr>
+                <a:t>thuật</a:t>
+              </a:r>
+              <a:r>
+                <a:rPr lang="en-US" altLang="ko-KR" sz="1600" dirty="0">
+                  <a:solidFill>
+                    <a:schemeClr val="tx1">
+                      <a:lumMod val="75000"/>
+                      <a:lumOff val="25000"/>
+                    </a:schemeClr>
+                  </a:solidFill>
+                  <a:cs typeface="Arial" pitchFamily="34" charset="0"/>
+                </a:rPr>
+                <a:t> </a:t>
+              </a:r>
+              <a:r>
+                <a:rPr lang="en-US" altLang="ko-KR" sz="1600" dirty="0" err="1">
+                  <a:solidFill>
+                    <a:schemeClr val="tx1">
+                      <a:lumMod val="75000"/>
+                      <a:lumOff val="25000"/>
+                    </a:schemeClr>
+                  </a:solidFill>
+                  <a:cs typeface="Arial" pitchFamily="34" charset="0"/>
+                </a:rPr>
+                <a:t>toán</a:t>
+              </a:r>
+              <a:r>
+                <a:rPr lang="en-US" altLang="ko-KR" sz="1600" dirty="0">
+                  <a:solidFill>
+                    <a:schemeClr val="tx1">
+                      <a:lumMod val="75000"/>
+                      <a:lumOff val="25000"/>
+                    </a:schemeClr>
+                  </a:solidFill>
+                  <a:cs typeface="Arial" pitchFamily="34" charset="0"/>
+                </a:rPr>
+                <a:t> </a:t>
+              </a:r>
+              <a:r>
+                <a:rPr lang="en-US" altLang="ko-KR" sz="1600" dirty="0" err="1">
+                  <a:solidFill>
+                    <a:schemeClr val="tx1">
+                      <a:lumMod val="75000"/>
+                      <a:lumOff val="25000"/>
+                    </a:schemeClr>
+                  </a:solidFill>
+                  <a:cs typeface="Arial" pitchFamily="34" charset="0"/>
+                </a:rPr>
+                <a:t>sử</a:t>
+              </a:r>
+              <a:r>
+                <a:rPr lang="en-US" altLang="ko-KR" sz="1600" dirty="0">
+                  <a:solidFill>
+                    <a:schemeClr val="tx1">
+                      <a:lumMod val="75000"/>
+                      <a:lumOff val="25000"/>
+                    </a:schemeClr>
+                  </a:solidFill>
+                  <a:cs typeface="Arial" pitchFamily="34" charset="0"/>
+                </a:rPr>
+                <a:t> </a:t>
+              </a:r>
+              <a:r>
+                <a:rPr lang="en-US" altLang="ko-KR" sz="1600" dirty="0" err="1">
+                  <a:solidFill>
+                    <a:schemeClr val="tx1">
+                      <a:lumMod val="75000"/>
+                      <a:lumOff val="25000"/>
+                    </a:schemeClr>
+                  </a:solidFill>
+                  <a:cs typeface="Arial" pitchFamily="34" charset="0"/>
+                </a:rPr>
+                <a:t>dụng</a:t>
+              </a:r>
+              <a:r>
+                <a:rPr lang="en-US" altLang="ko-KR" sz="1600" dirty="0">
+                  <a:solidFill>
+                    <a:schemeClr val="tx1">
+                      <a:lumMod val="75000"/>
+                      <a:lumOff val="25000"/>
+                    </a:schemeClr>
+                  </a:solidFill>
+                  <a:cs typeface="Arial" pitchFamily="34" charset="0"/>
+                </a:rPr>
+                <a:t>,…</a:t>
+              </a:r>
+            </a:p>
+            <a:p>
+              <a:r>
+                <a:rPr lang="en-US" altLang="ko-KR" sz="1600" dirty="0">
+                  <a:solidFill>
+                    <a:schemeClr val="tx1">
+                      <a:lumMod val="75000"/>
+                      <a:lumOff val="25000"/>
+                    </a:schemeClr>
+                  </a:solidFill>
+                  <a:cs typeface="Arial" pitchFamily="34" charset="0"/>
+                </a:rPr>
+                <a:t>(</a:t>
+              </a:r>
+              <a:r>
+                <a:rPr lang="en-US" altLang="ko-KR" sz="1600" dirty="0" err="1">
+                  <a:solidFill>
+                    <a:schemeClr val="tx1">
+                      <a:lumMod val="75000"/>
+                      <a:lumOff val="25000"/>
+                    </a:schemeClr>
+                  </a:solidFill>
+                  <a:cs typeface="Arial" pitchFamily="34" charset="0"/>
+                </a:rPr>
+                <a:t>Phần</a:t>
+              </a:r>
+              <a:r>
+                <a:rPr lang="en-US" altLang="ko-KR" sz="1600" dirty="0">
+                  <a:solidFill>
+                    <a:schemeClr val="tx1">
+                      <a:lumMod val="75000"/>
+                      <a:lumOff val="25000"/>
+                    </a:schemeClr>
+                  </a:solidFill>
+                  <a:cs typeface="Arial" pitchFamily="34" charset="0"/>
+                </a:rPr>
+                <a:t> offline)</a:t>
+              </a:r>
+            </a:p>
+          </p:txBody>
+        </p:sp>
+        <p:sp>
+          <p:nvSpPr>
+            <p:cNvPr id="14" name="TextBox 13"/>
+            <p:cNvSpPr txBox="1"/>
+            <p:nvPr/>
+          </p:nvSpPr>
+          <p:spPr>
+            <a:xfrm>
+              <a:off x="1448989" y="1533725"/>
+              <a:ext cx="3030085" cy="400110"/>
+            </a:xfrm>
+            <a:prstGeom prst="rect">
+              <a:avLst/>
+            </a:prstGeom>
+            <a:noFill/>
+          </p:spPr>
+          <p:txBody>
+            <a:bodyPr wrap="square" rtlCol="0" anchor="ctr">
+              <a:spAutoFit/>
+            </a:bodyPr>
+            <a:lstStyle/>
+            <a:p>
+              <a:r>
+                <a:rPr lang="en-US" altLang="ko-KR" sz="2000" b="1" dirty="0">
+                  <a:solidFill>
+                    <a:schemeClr val="accent1"/>
+                  </a:solidFill>
+                  <a:cs typeface="Arial" pitchFamily="34" charset="0"/>
+                </a:rPr>
+                <a:t>Gameplay</a:t>
+              </a:r>
+              <a:endParaRPr lang="ko-KR" altLang="en-US" sz="2000" b="1" dirty="0">
+                <a:solidFill>
+                  <a:schemeClr val="accent1"/>
+                </a:solidFill>
+                <a:cs typeface="Arial" pitchFamily="34" charset="0"/>
+              </a:endParaRPr>
+            </a:p>
+          </p:txBody>
+        </p:sp>
+      </p:grpSp>
+      <p:grpSp>
+        <p:nvGrpSpPr>
+          <p:cNvPr id="15" name="Group 14"/>
+          <p:cNvGrpSpPr/>
+          <p:nvPr/>
+        </p:nvGrpSpPr>
+        <p:grpSpPr>
+          <a:xfrm>
+            <a:off x="3433174" y="3002519"/>
+            <a:ext cx="2932815" cy="954107"/>
+            <a:chOff x="1448989" y="1502947"/>
+            <a:chExt cx="3030085" cy="954107"/>
+          </a:xfrm>
+        </p:grpSpPr>
+        <p:sp>
+          <p:nvSpPr>
+            <p:cNvPr id="16" name="TextBox 15"/>
+            <p:cNvSpPr txBox="1"/>
+            <p:nvPr/>
+          </p:nvSpPr>
+          <p:spPr>
+            <a:xfrm>
+              <a:off x="1454023" y="2118500"/>
+              <a:ext cx="3023679" cy="338554"/>
+            </a:xfrm>
+            <a:prstGeom prst="rect">
+              <a:avLst/>
+            </a:prstGeom>
+            <a:noFill/>
+          </p:spPr>
+          <p:txBody>
+            <a:bodyPr wrap="square" rtlCol="0" anchor="ctr">
+              <a:spAutoFit/>
+            </a:bodyPr>
+            <a:lstStyle/>
+            <a:p>
+              <a:endParaRPr lang="en-US" altLang="ko-KR" sz="1600" dirty="0">
+                <a:solidFill>
+                  <a:schemeClr val="tx1">
+                    <a:lumMod val="75000"/>
+                    <a:lumOff val="25000"/>
+                  </a:schemeClr>
+                </a:solidFill>
+                <a:cs typeface="Arial" pitchFamily="34" charset="0"/>
+              </a:endParaRPr>
+            </a:p>
+          </p:txBody>
+        </p:sp>
+        <p:sp>
+          <p:nvSpPr>
+            <p:cNvPr id="17" name="TextBox 16"/>
+            <p:cNvSpPr txBox="1"/>
+            <p:nvPr/>
+          </p:nvSpPr>
+          <p:spPr>
+            <a:xfrm>
+              <a:off x="1448989" y="1502947"/>
+              <a:ext cx="3030085" cy="461665"/>
+            </a:xfrm>
+            <a:prstGeom prst="rect">
+              <a:avLst/>
+            </a:prstGeom>
+            <a:noFill/>
+          </p:spPr>
+          <p:txBody>
+            <a:bodyPr wrap="square" rtlCol="0" anchor="ctr">
+              <a:spAutoFit/>
+            </a:bodyPr>
+            <a:lstStyle/>
+            <a:p>
+              <a:r>
+                <a:rPr lang="en-US" altLang="ko-KR" sz="2400" b="1" dirty="0" err="1">
+                  <a:solidFill>
+                    <a:schemeClr val="accent4"/>
+                  </a:solidFill>
+                  <a:cs typeface="Arial" pitchFamily="34" charset="0"/>
+                </a:rPr>
+                <a:t>Playgame</a:t>
+              </a:r>
+              <a:endParaRPr lang="ko-KR" altLang="en-US" sz="2400" b="1" dirty="0">
+                <a:solidFill>
+                  <a:schemeClr val="accent4"/>
+                </a:solidFill>
+                <a:cs typeface="Arial" pitchFamily="34" charset="0"/>
+              </a:endParaRPr>
+            </a:p>
+          </p:txBody>
+        </p:sp>
+      </p:grpSp>
+      <p:grpSp>
+        <p:nvGrpSpPr>
+          <p:cNvPr id="18" name="Group 17"/>
+          <p:cNvGrpSpPr/>
+          <p:nvPr/>
+        </p:nvGrpSpPr>
+        <p:grpSpPr>
+          <a:xfrm>
+            <a:off x="5652252" y="1324688"/>
+            <a:ext cx="2934143" cy="1368751"/>
+            <a:chOff x="1444873" y="1607432"/>
+            <a:chExt cx="3031457" cy="756431"/>
+          </a:xfrm>
+        </p:grpSpPr>
+        <p:sp>
+          <p:nvSpPr>
+            <p:cNvPr id="19" name="TextBox 18"/>
+            <p:cNvSpPr txBox="1"/>
+            <p:nvPr/>
+          </p:nvSpPr>
+          <p:spPr>
+            <a:xfrm>
+              <a:off x="1444873" y="2040691"/>
+              <a:ext cx="3023679" cy="323172"/>
+            </a:xfrm>
+            <a:prstGeom prst="rect">
+              <a:avLst/>
+            </a:prstGeom>
+            <a:noFill/>
+          </p:spPr>
+          <p:txBody>
+            <a:bodyPr wrap="square" rtlCol="0" anchor="ctr">
+              <a:spAutoFit/>
+            </a:bodyPr>
+            <a:lstStyle/>
+            <a:p>
+              <a:r>
+                <a:rPr lang="en-US" altLang="ko-KR" sz="1600" dirty="0" err="1">
+                  <a:solidFill>
+                    <a:schemeClr val="tx1">
+                      <a:lumMod val="75000"/>
+                      <a:lumOff val="25000"/>
+                    </a:schemeClr>
+                  </a:solidFill>
+                  <a:cs typeface="Arial" pitchFamily="34" charset="0"/>
+                </a:rPr>
+                <a:t>Cách</a:t>
+              </a:r>
+              <a:r>
+                <a:rPr lang="en-US" altLang="ko-KR" sz="1600" dirty="0">
+                  <a:solidFill>
+                    <a:schemeClr val="tx1">
+                      <a:lumMod val="75000"/>
+                      <a:lumOff val="25000"/>
+                    </a:schemeClr>
+                  </a:solidFill>
+                  <a:cs typeface="Arial" pitchFamily="34" charset="0"/>
+                </a:rPr>
+                <a:t> </a:t>
+              </a:r>
+              <a:r>
+                <a:rPr lang="en-US" altLang="ko-KR" sz="1600" dirty="0" err="1">
+                  <a:solidFill>
+                    <a:schemeClr val="tx1">
+                      <a:lumMod val="75000"/>
+                      <a:lumOff val="25000"/>
+                    </a:schemeClr>
+                  </a:solidFill>
+                  <a:cs typeface="Arial" pitchFamily="34" charset="0"/>
+                </a:rPr>
+                <a:t>hoạt</a:t>
+              </a:r>
+              <a:r>
+                <a:rPr lang="en-US" altLang="ko-KR" sz="1600" dirty="0">
+                  <a:solidFill>
+                    <a:schemeClr val="tx1">
+                      <a:lumMod val="75000"/>
+                      <a:lumOff val="25000"/>
+                    </a:schemeClr>
+                  </a:solidFill>
+                  <a:cs typeface="Arial" pitchFamily="34" charset="0"/>
+                </a:rPr>
+                <a:t> </a:t>
+              </a:r>
+              <a:r>
+                <a:rPr lang="en-US" altLang="ko-KR" sz="1600" dirty="0" err="1">
+                  <a:solidFill>
+                    <a:schemeClr val="tx1">
+                      <a:lumMod val="75000"/>
+                      <a:lumOff val="25000"/>
+                    </a:schemeClr>
+                  </a:solidFill>
+                  <a:cs typeface="Arial" pitchFamily="34" charset="0"/>
+                </a:rPr>
+                <a:t>động</a:t>
+              </a:r>
+              <a:r>
+                <a:rPr lang="en-US" altLang="ko-KR" sz="1600" dirty="0">
+                  <a:solidFill>
+                    <a:schemeClr val="tx1">
+                      <a:lumMod val="75000"/>
+                      <a:lumOff val="25000"/>
+                    </a:schemeClr>
+                  </a:solidFill>
+                  <a:cs typeface="Arial" pitchFamily="34" charset="0"/>
+                </a:rPr>
+                <a:t> client-server</a:t>
+              </a:r>
+            </a:p>
+            <a:p>
+              <a:endParaRPr lang="en-US" altLang="ko-KR" sz="1600" dirty="0">
+                <a:solidFill>
+                  <a:schemeClr val="tx1">
+                    <a:lumMod val="75000"/>
+                    <a:lumOff val="25000"/>
+                  </a:schemeClr>
+                </a:solidFill>
+                <a:cs typeface="Arial" pitchFamily="34" charset="0"/>
+              </a:endParaRPr>
+            </a:p>
+          </p:txBody>
+        </p:sp>
+        <p:sp>
+          <p:nvSpPr>
+            <p:cNvPr id="20" name="TextBox 19"/>
+            <p:cNvSpPr txBox="1"/>
+            <p:nvPr/>
+          </p:nvSpPr>
+          <p:spPr>
+            <a:xfrm>
+              <a:off x="1446245" y="1607432"/>
+              <a:ext cx="3030085" cy="221118"/>
+            </a:xfrm>
+            <a:prstGeom prst="rect">
+              <a:avLst/>
+            </a:prstGeom>
+            <a:noFill/>
+          </p:spPr>
+          <p:txBody>
+            <a:bodyPr wrap="square" rtlCol="0" anchor="ctr">
+              <a:spAutoFit/>
+            </a:bodyPr>
+            <a:lstStyle/>
+            <a:p>
+              <a:r>
+                <a:rPr lang="en-US" altLang="ko-KR" sz="2000" b="1" dirty="0">
+                  <a:solidFill>
+                    <a:schemeClr val="accent2"/>
+                  </a:solidFill>
+                  <a:cs typeface="Arial" pitchFamily="34" charset="0"/>
+                </a:rPr>
+                <a:t>Multi-player</a:t>
+              </a:r>
+              <a:endParaRPr lang="ko-KR" altLang="en-US" sz="2000" b="1" dirty="0">
+                <a:solidFill>
+                  <a:schemeClr val="accent2"/>
+                </a:solidFill>
+                <a:cs typeface="Arial" pitchFamily="34" charset="0"/>
+              </a:endParaRPr>
+            </a:p>
+          </p:txBody>
+        </p:sp>
+      </p:grpSp>
+      <p:sp>
+        <p:nvSpPr>
+          <p:cNvPr id="22" name="TextBox 21"/>
+          <p:cNvSpPr txBox="1"/>
+          <p:nvPr/>
+        </p:nvSpPr>
+        <p:spPr>
+          <a:xfrm>
+            <a:off x="5710827" y="3672392"/>
+            <a:ext cx="2926615" cy="276999"/>
+          </a:xfrm>
+          <a:prstGeom prst="rect">
+            <a:avLst/>
+          </a:prstGeom>
+          <a:noFill/>
+        </p:spPr>
+        <p:txBody>
+          <a:bodyPr wrap="square" rtlCol="0" anchor="ctr">
+            <a:spAutoFit/>
+          </a:bodyPr>
+          <a:lstStyle/>
+          <a:p>
+            <a:endParaRPr lang="ko-KR" altLang="en-US" sz="1200" dirty="0">
+              <a:solidFill>
+                <a:schemeClr val="tx1">
+                  <a:lumMod val="75000"/>
+                  <a:lumOff val="25000"/>
+                </a:schemeClr>
+              </a:solidFill>
+              <a:cs typeface="Arial" pitchFamily="34" charset="0"/>
+            </a:endParaRPr>
+          </a:p>
+        </p:txBody>
+      </p:sp>
     </p:spTree>
     <p:extLst>
       <p:ext uri="{BB962C8B-B14F-4D97-AF65-F5344CB8AC3E}">
-        <p14:creationId xmlns:p14="http://schemas.microsoft.com/office/powerpoint/2010/main" val="2597575594"/>
+        <p14:creationId xmlns:p14="http://schemas.microsoft.com/office/powerpoint/2010/main" val="843571759"/>
       </p:ext>
     </p:extLst>
   </p:cSld>
@@ -10890,7 +11683,34 @@
                   </a:solidFill>
                   <a:cs typeface="Arial" pitchFamily="34" charset="0"/>
                 </a:rPr>
-                <a:t> DLC</a:t>
+                <a:t> </a:t>
+              </a:r>
+              <a:r>
+                <a:rPr lang="en-US" altLang="ko-KR" sz="1400" b="1" dirty="0" err="1">
+                  <a:solidFill>
+                    <a:schemeClr val="bg1"/>
+                  </a:solidFill>
+                  <a:cs typeface="Arial" pitchFamily="34" charset="0"/>
+                </a:rPr>
+                <a:t>trò</a:t>
+              </a:r>
+              <a:r>
+                <a:rPr lang="en-US" altLang="ko-KR" sz="1400" b="1" dirty="0">
+                  <a:solidFill>
+                    <a:schemeClr val="bg1"/>
+                  </a:solidFill>
+                  <a:cs typeface="Arial" pitchFamily="34" charset="0"/>
+                </a:rPr>
+                <a:t> </a:t>
+              </a:r>
+              <a:r>
+                <a:rPr lang="en-US" altLang="ko-KR" sz="1400" b="1" dirty="0" err="1">
+                  <a:solidFill>
+                    <a:schemeClr val="bg1"/>
+                  </a:solidFill>
+                  <a:cs typeface="Arial" pitchFamily="34" charset="0"/>
+                </a:rPr>
+                <a:t>chơi</a:t>
               </a:r>
               <a:endParaRPr lang="ko-KR" altLang="en-US" sz="1400" b="1" dirty="0">
                 <a:solidFill>
@@ -11432,7 +12252,67 @@
                   </a:solidFill>
                   <a:cs typeface="Arial" pitchFamily="34" charset="0"/>
                 </a:rPr>
-                <a:t> game</a:t>
+                <a:t> </a:t>
+              </a:r>
+              <a:r>
+                <a:rPr lang="en-US" altLang="ko-KR" sz="1400" b="1" dirty="0" err="1">
+                  <a:solidFill>
+                    <a:schemeClr val="tx1">
+                      <a:lumMod val="75000"/>
+                      <a:lumOff val="25000"/>
+                    </a:schemeClr>
+                  </a:solidFill>
+                  <a:cs typeface="Arial" pitchFamily="34" charset="0"/>
+                </a:rPr>
+                <a:t>hệ</a:t>
+              </a:r>
+              <a:r>
+                <a:rPr lang="en-US" altLang="ko-KR" sz="1400" b="1" dirty="0">
+                  <a:solidFill>
+                    <a:schemeClr val="tx1">
+                      <a:lumMod val="75000"/>
+                      <a:lumOff val="25000"/>
+                    </a:schemeClr>
+                  </a:solidFill>
+                  <a:cs typeface="Arial" pitchFamily="34" charset="0"/>
+                </a:rPr>
+                <a:t> </a:t>
+              </a:r>
+              <a:r>
+                <a:rPr lang="en-US" altLang="ko-KR" sz="1400" b="1" dirty="0" err="1">
+                  <a:solidFill>
+                    <a:schemeClr val="tx1">
+                      <a:lumMod val="75000"/>
+                      <a:lumOff val="25000"/>
+                    </a:schemeClr>
+                  </a:solidFill>
+                  <a:cs typeface="Arial" pitchFamily="34" charset="0"/>
+                </a:rPr>
+                <a:t>sinh</a:t>
+              </a:r>
+              <a:r>
+                <a:rPr lang="en-US" altLang="ko-KR" sz="1400" b="1" dirty="0">
+                  <a:solidFill>
+                    <a:schemeClr val="tx1">
+                      <a:lumMod val="75000"/>
+                      <a:lumOff val="25000"/>
+                    </a:schemeClr>
+                  </a:solidFill>
+                  <a:cs typeface="Arial" pitchFamily="34" charset="0"/>
+                </a:rPr>
+                <a:t> </a:t>
+              </a:r>
+              <a:r>
+                <a:rPr lang="en-US" altLang="ko-KR" sz="1400" b="1" dirty="0" err="1">
+                  <a:solidFill>
+                    <a:schemeClr val="tx1">
+                      <a:lumMod val="75000"/>
+                      <a:lumOff val="25000"/>
+                    </a:schemeClr>
+                  </a:solidFill>
+                  <a:cs typeface="Arial" pitchFamily="34" charset="0"/>
+                </a:rPr>
+                <a:t>thái</a:t>
               </a:r>
               <a:endParaRPr lang="ko-KR" altLang="en-US" sz="1400" b="1" dirty="0">
                 <a:solidFill>

--- a/documents/Slide.pptx
+++ b/documents/Slide.pptx
@@ -6,6 +6,9 @@
     <p:sldMasterId id="2147483651" r:id="rId2"/>
     <p:sldMasterId id="2147483653" r:id="rId3"/>
   </p:sldMasterIdLst>
+  <p:notesMasterIdLst>
+    <p:notesMasterId r:id="rId12"/>
+  </p:notesMasterIdLst>
   <p:sldIdLst>
     <p:sldId id="256" r:id="rId4"/>
     <p:sldId id="261" r:id="rId5"/>
@@ -130,6 +133,523 @@
     </p:ext>
   </p:extLst>
 </p:presentation>
+</file>
+
+<file path=ppt/notesMasters/notesMaster1.xml><?xml version="1.0" encoding="utf-8"?>
+<p:notesMaster xmlns:a="http://schemas.openxmlformats.org/drawingml/2006/main" xmlns:r="http://schemas.openxmlformats.org/officeDocument/2006/relationships" xmlns:p="http://schemas.openxmlformats.org/presentationml/2006/main">
+  <p:cSld>
+    <p:bg>
+      <p:bgRef idx="1001">
+        <a:schemeClr val="bg1"/>
+      </p:bgRef>
+    </p:bg>
+    <p:spTree>
+      <p:nvGrpSpPr>
+        <p:cNvPr id="1" name=""/>
+        <p:cNvGrpSpPr/>
+        <p:nvPr/>
+      </p:nvGrpSpPr>
+      <p:grpSpPr>
+        <a:xfrm>
+          <a:off x="0" y="0"/>
+          <a:ext cx="0" cy="0"/>
+          <a:chOff x="0" y="0"/>
+          <a:chExt cx="0" cy="0"/>
+        </a:xfrm>
+      </p:grpSpPr>
+      <p:sp>
+        <p:nvSpPr>
+          <p:cNvPr id="2" name="Header Placeholder 1"/>
+          <p:cNvSpPr>
+            <a:spLocks noGrp="1"/>
+          </p:cNvSpPr>
+          <p:nvPr>
+            <p:ph type="hdr" sz="quarter"/>
+          </p:nvPr>
+        </p:nvSpPr>
+        <p:spPr>
+          <a:xfrm>
+            <a:off x="0" y="0"/>
+            <a:ext cx="2971800" cy="458788"/>
+          </a:xfrm>
+          <a:prstGeom prst="rect">
+            <a:avLst/>
+          </a:prstGeom>
+        </p:spPr>
+        <p:txBody>
+          <a:bodyPr vert="horz" lIns="91440" tIns="45720" rIns="91440" bIns="45720" rtlCol="0"/>
+          <a:lstStyle>
+            <a:lvl1pPr algn="l">
+              <a:defRPr sz="1200"/>
+            </a:lvl1pPr>
+          </a:lstStyle>
+          <a:p>
+            <a:endParaRPr lang="en-US"/>
+          </a:p>
+        </p:txBody>
+      </p:sp>
+      <p:sp>
+        <p:nvSpPr>
+          <p:cNvPr id="3" name="Date Placeholder 2"/>
+          <p:cNvSpPr>
+            <a:spLocks noGrp="1"/>
+          </p:cNvSpPr>
+          <p:nvPr>
+            <p:ph type="dt" idx="1"/>
+          </p:nvPr>
+        </p:nvSpPr>
+        <p:spPr>
+          <a:xfrm>
+            <a:off x="3884613" y="0"/>
+            <a:ext cx="2971800" cy="458788"/>
+          </a:xfrm>
+          <a:prstGeom prst="rect">
+            <a:avLst/>
+          </a:prstGeom>
+        </p:spPr>
+        <p:txBody>
+          <a:bodyPr vert="horz" lIns="91440" tIns="45720" rIns="91440" bIns="45720" rtlCol="0"/>
+          <a:lstStyle>
+            <a:lvl1pPr algn="r">
+              <a:defRPr sz="1200"/>
+            </a:lvl1pPr>
+          </a:lstStyle>
+          <a:p>
+            <a:fld id="{7245B769-AD6C-41F8-A6A5-C74A0BBB936C}" type="datetimeFigureOut">
+              <a:rPr lang="en-US" smtClean="0"/>
+              <a:t>4/15/2021</a:t>
+            </a:fld>
+            <a:endParaRPr lang="en-US"/>
+          </a:p>
+        </p:txBody>
+      </p:sp>
+      <p:sp>
+        <p:nvSpPr>
+          <p:cNvPr id="4" name="Slide Image Placeholder 3"/>
+          <p:cNvSpPr>
+            <a:spLocks noGrp="1" noRot="1" noChangeAspect="1"/>
+          </p:cNvSpPr>
+          <p:nvPr>
+            <p:ph type="sldImg" idx="2"/>
+          </p:nvPr>
+        </p:nvSpPr>
+        <p:spPr>
+          <a:xfrm>
+            <a:off x="685800" y="1143000"/>
+            <a:ext cx="5486400" cy="3086100"/>
+          </a:xfrm>
+          <a:prstGeom prst="rect">
+            <a:avLst/>
+          </a:prstGeom>
+          <a:noFill/>
+          <a:ln w="12700">
+            <a:solidFill>
+              <a:prstClr val="black"/>
+            </a:solidFill>
+          </a:ln>
+        </p:spPr>
+        <p:txBody>
+          <a:bodyPr vert="horz" lIns="91440" tIns="45720" rIns="91440" bIns="45720" rtlCol="0" anchor="ctr"/>
+          <a:lstStyle/>
+          <a:p>
+            <a:endParaRPr lang="en-US"/>
+          </a:p>
+        </p:txBody>
+      </p:sp>
+      <p:sp>
+        <p:nvSpPr>
+          <p:cNvPr id="5" name="Notes Placeholder 4"/>
+          <p:cNvSpPr>
+            <a:spLocks noGrp="1"/>
+          </p:cNvSpPr>
+          <p:nvPr>
+            <p:ph type="body" sz="quarter" idx="3"/>
+          </p:nvPr>
+        </p:nvSpPr>
+        <p:spPr>
+          <a:xfrm>
+            <a:off x="685800" y="4400550"/>
+            <a:ext cx="5486400" cy="3600450"/>
+          </a:xfrm>
+          <a:prstGeom prst="rect">
+            <a:avLst/>
+          </a:prstGeom>
+        </p:spPr>
+        <p:txBody>
+          <a:bodyPr vert="horz" lIns="91440" tIns="45720" rIns="91440" bIns="45720" rtlCol="0"/>
+          <a:lstStyle/>
+          <a:p>
+            <a:pPr lvl="0"/>
+            <a:r>
+              <a:rPr lang="en-US"/>
+              <a:t>Click to edit Master text styles</a:t>
+            </a:r>
+          </a:p>
+          <a:p>
+            <a:pPr lvl="1"/>
+            <a:r>
+              <a:rPr lang="en-US"/>
+              <a:t>Second level</a:t>
+            </a:r>
+          </a:p>
+          <a:p>
+            <a:pPr lvl="2"/>
+            <a:r>
+              <a:rPr lang="en-US"/>
+              <a:t>Third level</a:t>
+            </a:r>
+          </a:p>
+          <a:p>
+            <a:pPr lvl="3"/>
+            <a:r>
+              <a:rPr lang="en-US"/>
+              <a:t>Fourth level</a:t>
+            </a:r>
+          </a:p>
+          <a:p>
+            <a:pPr lvl="4"/>
+            <a:r>
+              <a:rPr lang="en-US"/>
+              <a:t>Fifth level</a:t>
+            </a:r>
+          </a:p>
+        </p:txBody>
+      </p:sp>
+      <p:sp>
+        <p:nvSpPr>
+          <p:cNvPr id="6" name="Footer Placeholder 5"/>
+          <p:cNvSpPr>
+            <a:spLocks noGrp="1"/>
+          </p:cNvSpPr>
+          <p:nvPr>
+            <p:ph type="ftr" sz="quarter" idx="4"/>
+          </p:nvPr>
+        </p:nvSpPr>
+        <p:spPr>
+          <a:xfrm>
+            <a:off x="0" y="8685213"/>
+            <a:ext cx="2971800" cy="458787"/>
+          </a:xfrm>
+          <a:prstGeom prst="rect">
+            <a:avLst/>
+          </a:prstGeom>
+        </p:spPr>
+        <p:txBody>
+          <a:bodyPr vert="horz" lIns="91440" tIns="45720" rIns="91440" bIns="45720" rtlCol="0" anchor="b"/>
+          <a:lstStyle>
+            <a:lvl1pPr algn="l">
+              <a:defRPr sz="1200"/>
+            </a:lvl1pPr>
+          </a:lstStyle>
+          <a:p>
+            <a:endParaRPr lang="en-US"/>
+          </a:p>
+        </p:txBody>
+      </p:sp>
+      <p:sp>
+        <p:nvSpPr>
+          <p:cNvPr id="7" name="Slide Number Placeholder 6"/>
+          <p:cNvSpPr>
+            <a:spLocks noGrp="1"/>
+          </p:cNvSpPr>
+          <p:nvPr>
+            <p:ph type="sldNum" sz="quarter" idx="5"/>
+          </p:nvPr>
+        </p:nvSpPr>
+        <p:spPr>
+          <a:xfrm>
+            <a:off x="3884613" y="8685213"/>
+            <a:ext cx="2971800" cy="458787"/>
+          </a:xfrm>
+          <a:prstGeom prst="rect">
+            <a:avLst/>
+          </a:prstGeom>
+        </p:spPr>
+        <p:txBody>
+          <a:bodyPr vert="horz" lIns="91440" tIns="45720" rIns="91440" bIns="45720" rtlCol="0" anchor="b"/>
+          <a:lstStyle>
+            <a:lvl1pPr algn="r">
+              <a:defRPr sz="1200"/>
+            </a:lvl1pPr>
+          </a:lstStyle>
+          <a:p>
+            <a:fld id="{F62581A0-80BE-43A3-BAFD-4A9E4D8C9897}" type="slidenum">
+              <a:rPr lang="en-US" smtClean="0"/>
+              <a:t>‹#›</a:t>
+            </a:fld>
+            <a:endParaRPr lang="en-US"/>
+          </a:p>
+        </p:txBody>
+      </p:sp>
+    </p:spTree>
+    <p:extLst>
+      <p:ext uri="{BB962C8B-B14F-4D97-AF65-F5344CB8AC3E}">
+        <p14:creationId xmlns:p14="http://schemas.microsoft.com/office/powerpoint/2010/main" val="3855402345"/>
+      </p:ext>
+    </p:extLst>
+  </p:cSld>
+  <p:clrMap bg1="lt1" tx1="dk1" bg2="lt2" tx2="dk2" accent1="accent1" accent2="accent2" accent3="accent3" accent4="accent4" accent5="accent5" accent6="accent6" hlink="hlink" folHlink="folHlink"/>
+  <p:notesStyle>
+    <a:lvl1pPr marL="0" algn="l" defTabSz="914400" rtl="0" eaLnBrk="1" latinLnBrk="0" hangingPunct="1">
+      <a:defRPr sz="1200" kern="1200">
+        <a:solidFill>
+          <a:schemeClr val="tx1"/>
+        </a:solidFill>
+        <a:latin typeface="+mn-lt"/>
+        <a:ea typeface="+mn-ea"/>
+        <a:cs typeface="+mn-cs"/>
+      </a:defRPr>
+    </a:lvl1pPr>
+    <a:lvl2pPr marL="457200" algn="l" defTabSz="914400" rtl="0" eaLnBrk="1" latinLnBrk="0" hangingPunct="1">
+      <a:defRPr sz="1200" kern="1200">
+        <a:solidFill>
+          <a:schemeClr val="tx1"/>
+        </a:solidFill>
+        <a:latin typeface="+mn-lt"/>
+        <a:ea typeface="+mn-ea"/>
+        <a:cs typeface="+mn-cs"/>
+      </a:defRPr>
+    </a:lvl2pPr>
+    <a:lvl3pPr marL="914400" algn="l" defTabSz="914400" rtl="0" eaLnBrk="1" latinLnBrk="0" hangingPunct="1">
+      <a:defRPr sz="1200" kern="1200">
+        <a:solidFill>
+          <a:schemeClr val="tx1"/>
+        </a:solidFill>
+        <a:latin typeface="+mn-lt"/>
+        <a:ea typeface="+mn-ea"/>
+        <a:cs typeface="+mn-cs"/>
+      </a:defRPr>
+    </a:lvl3pPr>
+    <a:lvl4pPr marL="1371600" algn="l" defTabSz="914400" rtl="0" eaLnBrk="1" latinLnBrk="0" hangingPunct="1">
+      <a:defRPr sz="1200" kern="1200">
+        <a:solidFill>
+          <a:schemeClr val="tx1"/>
+        </a:solidFill>
+        <a:latin typeface="+mn-lt"/>
+        <a:ea typeface="+mn-ea"/>
+        <a:cs typeface="+mn-cs"/>
+      </a:defRPr>
+    </a:lvl4pPr>
+    <a:lvl5pPr marL="1828800" algn="l" defTabSz="914400" rtl="0" eaLnBrk="1" latinLnBrk="0" hangingPunct="1">
+      <a:defRPr sz="1200" kern="1200">
+        <a:solidFill>
+          <a:schemeClr val="tx1"/>
+        </a:solidFill>
+        <a:latin typeface="+mn-lt"/>
+        <a:ea typeface="+mn-ea"/>
+        <a:cs typeface="+mn-cs"/>
+      </a:defRPr>
+    </a:lvl5pPr>
+    <a:lvl6pPr marL="2286000" algn="l" defTabSz="914400" rtl="0" eaLnBrk="1" latinLnBrk="0" hangingPunct="1">
+      <a:defRPr sz="1200" kern="1200">
+        <a:solidFill>
+          <a:schemeClr val="tx1"/>
+        </a:solidFill>
+        <a:latin typeface="+mn-lt"/>
+        <a:ea typeface="+mn-ea"/>
+        <a:cs typeface="+mn-cs"/>
+      </a:defRPr>
+    </a:lvl6pPr>
+    <a:lvl7pPr marL="2743200" algn="l" defTabSz="914400" rtl="0" eaLnBrk="1" latinLnBrk="0" hangingPunct="1">
+      <a:defRPr sz="1200" kern="1200">
+        <a:solidFill>
+          <a:schemeClr val="tx1"/>
+        </a:solidFill>
+        <a:latin typeface="+mn-lt"/>
+        <a:ea typeface="+mn-ea"/>
+        <a:cs typeface="+mn-cs"/>
+      </a:defRPr>
+    </a:lvl7pPr>
+    <a:lvl8pPr marL="3200400" algn="l" defTabSz="914400" rtl="0" eaLnBrk="1" latinLnBrk="0" hangingPunct="1">
+      <a:defRPr sz="1200" kern="1200">
+        <a:solidFill>
+          <a:schemeClr val="tx1"/>
+        </a:solidFill>
+        <a:latin typeface="+mn-lt"/>
+        <a:ea typeface="+mn-ea"/>
+        <a:cs typeface="+mn-cs"/>
+      </a:defRPr>
+    </a:lvl8pPr>
+    <a:lvl9pPr marL="3657600" algn="l" defTabSz="914400" rtl="0" eaLnBrk="1" latinLnBrk="0" hangingPunct="1">
+      <a:defRPr sz="1200" kern="1200">
+        <a:solidFill>
+          <a:schemeClr val="tx1"/>
+        </a:solidFill>
+        <a:latin typeface="+mn-lt"/>
+        <a:ea typeface="+mn-ea"/>
+        <a:cs typeface="+mn-cs"/>
+      </a:defRPr>
+    </a:lvl9pPr>
+  </p:notesStyle>
+</p:notesMaster>
+</file>
+
+<file path=ppt/notesSlides/notesSlide1.xml><?xml version="1.0" encoding="utf-8"?>
+<p:notes xmlns:a="http://schemas.openxmlformats.org/drawingml/2006/main" xmlns:r="http://schemas.openxmlformats.org/officeDocument/2006/relationships" xmlns:p="http://schemas.openxmlformats.org/presentationml/2006/main">
+  <p:cSld>
+    <p:spTree>
+      <p:nvGrpSpPr>
+        <p:cNvPr id="1" name=""/>
+        <p:cNvGrpSpPr/>
+        <p:nvPr/>
+      </p:nvGrpSpPr>
+      <p:grpSpPr>
+        <a:xfrm>
+          <a:off x="0" y="0"/>
+          <a:ext cx="0" cy="0"/>
+          <a:chOff x="0" y="0"/>
+          <a:chExt cx="0" cy="0"/>
+        </a:xfrm>
+      </p:grpSpPr>
+      <p:sp>
+        <p:nvSpPr>
+          <p:cNvPr id="2" name="Slide Image Placeholder 1"/>
+          <p:cNvSpPr>
+            <a:spLocks noGrp="1" noRot="1" noChangeAspect="1"/>
+          </p:cNvSpPr>
+          <p:nvPr>
+            <p:ph type="sldImg"/>
+          </p:nvPr>
+        </p:nvSpPr>
+        <p:spPr/>
+      </p:sp>
+      <p:sp>
+        <p:nvSpPr>
+          <p:cNvPr id="3" name="Notes Placeholder 2"/>
+          <p:cNvSpPr>
+            <a:spLocks noGrp="1"/>
+          </p:cNvSpPr>
+          <p:nvPr>
+            <p:ph type="body" idx="1"/>
+          </p:nvPr>
+        </p:nvSpPr>
+        <p:spPr/>
+        <p:txBody>
+          <a:bodyPr/>
+          <a:lstStyle/>
+          <a:p>
+            <a:endParaRPr lang="en-US"/>
+          </a:p>
+        </p:txBody>
+      </p:sp>
+      <p:sp>
+        <p:nvSpPr>
+          <p:cNvPr id="4" name="Slide Number Placeholder 3"/>
+          <p:cNvSpPr>
+            <a:spLocks noGrp="1"/>
+          </p:cNvSpPr>
+          <p:nvPr>
+            <p:ph type="sldNum" sz="quarter" idx="5"/>
+          </p:nvPr>
+        </p:nvSpPr>
+        <p:spPr/>
+        <p:txBody>
+          <a:bodyPr/>
+          <a:lstStyle/>
+          <a:p>
+            <a:fld id="{F62581A0-80BE-43A3-BAFD-4A9E4D8C9897}" type="slidenum">
+              <a:rPr lang="en-US" smtClean="0"/>
+              <a:t>4</a:t>
+            </a:fld>
+            <a:endParaRPr lang="en-US"/>
+          </a:p>
+        </p:txBody>
+      </p:sp>
+    </p:spTree>
+    <p:extLst>
+      <p:ext uri="{BB962C8B-B14F-4D97-AF65-F5344CB8AC3E}">
+        <p14:creationId xmlns:p14="http://schemas.microsoft.com/office/powerpoint/2010/main" val="1521692730"/>
+      </p:ext>
+    </p:extLst>
+  </p:cSld>
+  <p:clrMapOvr>
+    <a:masterClrMapping/>
+  </p:clrMapOvr>
+</p:notes>
+</file>
+
+<file path=ppt/notesSlides/notesSlide2.xml><?xml version="1.0" encoding="utf-8"?>
+<p:notes xmlns:a="http://schemas.openxmlformats.org/drawingml/2006/main" xmlns:r="http://schemas.openxmlformats.org/officeDocument/2006/relationships" xmlns:p="http://schemas.openxmlformats.org/presentationml/2006/main">
+  <p:cSld>
+    <p:spTree>
+      <p:nvGrpSpPr>
+        <p:cNvPr id="1" name=""/>
+        <p:cNvGrpSpPr/>
+        <p:nvPr/>
+      </p:nvGrpSpPr>
+      <p:grpSpPr>
+        <a:xfrm>
+          <a:off x="0" y="0"/>
+          <a:ext cx="0" cy="0"/>
+          <a:chOff x="0" y="0"/>
+          <a:chExt cx="0" cy="0"/>
+        </a:xfrm>
+      </p:grpSpPr>
+      <p:sp>
+        <p:nvSpPr>
+          <p:cNvPr id="2" name="Slide Image Placeholder 1"/>
+          <p:cNvSpPr>
+            <a:spLocks noGrp="1" noRot="1" noChangeAspect="1"/>
+          </p:cNvSpPr>
+          <p:nvPr>
+            <p:ph type="sldImg"/>
+          </p:nvPr>
+        </p:nvSpPr>
+        <p:spPr/>
+      </p:sp>
+      <p:sp>
+        <p:nvSpPr>
+          <p:cNvPr id="3" name="Notes Placeholder 2"/>
+          <p:cNvSpPr>
+            <a:spLocks noGrp="1"/>
+          </p:cNvSpPr>
+          <p:nvPr>
+            <p:ph type="body" idx="1"/>
+          </p:nvPr>
+        </p:nvSpPr>
+        <p:spPr/>
+        <p:txBody>
+          <a:bodyPr/>
+          <a:lstStyle/>
+          <a:p>
+            <a:endParaRPr lang="en-US"/>
+          </a:p>
+        </p:txBody>
+      </p:sp>
+      <p:sp>
+        <p:nvSpPr>
+          <p:cNvPr id="4" name="Slide Number Placeholder 3"/>
+          <p:cNvSpPr>
+            <a:spLocks noGrp="1"/>
+          </p:cNvSpPr>
+          <p:nvPr>
+            <p:ph type="sldNum" sz="quarter" idx="5"/>
+          </p:nvPr>
+        </p:nvSpPr>
+        <p:spPr/>
+        <p:txBody>
+          <a:bodyPr/>
+          <a:lstStyle/>
+          <a:p>
+            <a:fld id="{F62581A0-80BE-43A3-BAFD-4A9E4D8C9897}" type="slidenum">
+              <a:rPr lang="en-US" smtClean="0"/>
+              <a:t>6</a:t>
+            </a:fld>
+            <a:endParaRPr lang="en-US"/>
+          </a:p>
+        </p:txBody>
+      </p:sp>
+    </p:spTree>
+    <p:extLst>
+      <p:ext uri="{BB962C8B-B14F-4D97-AF65-F5344CB8AC3E}">
+        <p14:creationId xmlns:p14="http://schemas.microsoft.com/office/powerpoint/2010/main" val="1008717839"/>
+      </p:ext>
+    </p:extLst>
+  </p:cSld>
+  <p:clrMapOvr>
+    <a:masterClrMapping/>
+  </p:clrMapOvr>
+</p:notes>
 </file>
 
 <file path=ppt/slideLayouts/slideLayout1.xml><?xml version="1.0" encoding="utf-8"?>
@@ -376,10 +896,10 @@
           </a:lstStyle>
           <a:p>
             <a:r>
-              <a:rPr lang="en-US" altLang="ko-KR" dirty="0"/>
+              <a:rPr lang="en-US" altLang="ko-KR"/>
               <a:t>Your Picture Here</a:t>
             </a:r>
-            <a:endParaRPr lang="ko-KR" altLang="en-US" dirty="0"/>
+            <a:endParaRPr lang="ko-KR" altLang="en-US"/>
           </a:p>
         </p:txBody>
       </p:sp>
@@ -458,10 +978,10 @@
           </a:lstStyle>
           <a:p>
             <a:r>
-              <a:rPr lang="en-US" altLang="ko-KR" dirty="0"/>
+              <a:rPr lang="en-US" altLang="ko-KR"/>
               <a:t>Your Picture Here</a:t>
             </a:r>
-            <a:endParaRPr lang="ko-KR" altLang="en-US" dirty="0"/>
+            <a:endParaRPr lang="ko-KR" altLang="en-US"/>
           </a:p>
         </p:txBody>
       </p:sp>
@@ -540,10 +1060,10 @@
           </a:lstStyle>
           <a:p>
             <a:r>
-              <a:rPr lang="en-US" altLang="ko-KR" dirty="0"/>
+              <a:rPr lang="en-US" altLang="ko-KR"/>
               <a:t>Your Picture Here</a:t>
             </a:r>
-            <a:endParaRPr lang="ko-KR" altLang="en-US" dirty="0"/>
+            <a:endParaRPr lang="ko-KR" altLang="en-US"/>
           </a:p>
         </p:txBody>
       </p:sp>
@@ -666,10 +1186,10 @@
           </a:lstStyle>
           <a:p>
             <a:r>
-              <a:rPr lang="en-US" altLang="ko-KR" dirty="0"/>
+              <a:rPr lang="en-US" altLang="ko-KR"/>
               <a:t>Insert Your Image</a:t>
             </a:r>
-            <a:endParaRPr lang="ko-KR" altLang="en-US" dirty="0"/>
+            <a:endParaRPr lang="ko-KR" altLang="en-US"/>
           </a:p>
         </p:txBody>
       </p:sp>
@@ -748,10 +1268,10 @@
           </a:lstStyle>
           <a:p>
             <a:r>
-              <a:rPr lang="en-US" altLang="ko-KR" dirty="0"/>
+              <a:rPr lang="en-US" altLang="ko-KR"/>
               <a:t>Insert Your Image</a:t>
             </a:r>
-            <a:endParaRPr lang="ko-KR" altLang="en-US" dirty="0"/>
+            <a:endParaRPr lang="ko-KR" altLang="en-US"/>
           </a:p>
         </p:txBody>
       </p:sp>
@@ -830,10 +1350,10 @@
           </a:lstStyle>
           <a:p>
             <a:r>
-              <a:rPr lang="en-US" altLang="ko-KR" dirty="0"/>
+              <a:rPr lang="en-US" altLang="ko-KR"/>
               <a:t>Insert Your Image</a:t>
             </a:r>
-            <a:endParaRPr lang="ko-KR" altLang="en-US" dirty="0"/>
+            <a:endParaRPr lang="ko-KR" altLang="en-US"/>
           </a:p>
         </p:txBody>
       </p:sp>
@@ -942,10 +1462,10 @@
           </a:lstStyle>
           <a:p>
             <a:r>
-              <a:rPr lang="en-US" altLang="ko-KR" dirty="0"/>
+              <a:rPr lang="en-US" altLang="ko-KR"/>
               <a:t>Your Picture Here</a:t>
             </a:r>
-            <a:endParaRPr lang="ko-KR" altLang="en-US" dirty="0"/>
+            <a:endParaRPr lang="ko-KR" altLang="en-US"/>
           </a:p>
         </p:txBody>
       </p:sp>
@@ -1024,10 +1544,10 @@
           </a:lstStyle>
           <a:p>
             <a:r>
-              <a:rPr lang="en-US" altLang="ko-KR" dirty="0"/>
+              <a:rPr lang="en-US" altLang="ko-KR"/>
               <a:t>Your Picture Here</a:t>
             </a:r>
-            <a:endParaRPr lang="ko-KR" altLang="en-US" dirty="0"/>
+            <a:endParaRPr lang="ko-KR" altLang="en-US"/>
           </a:p>
         </p:txBody>
       </p:sp>
@@ -1106,10 +1626,10 @@
           </a:lstStyle>
           <a:p>
             <a:r>
-              <a:rPr lang="en-US" altLang="ko-KR" dirty="0"/>
+              <a:rPr lang="en-US" altLang="ko-KR"/>
               <a:t>Your Picture Here</a:t>
             </a:r>
-            <a:endParaRPr lang="ko-KR" altLang="en-US" dirty="0"/>
+            <a:endParaRPr lang="ko-KR" altLang="en-US"/>
           </a:p>
         </p:txBody>
       </p:sp>
@@ -1188,10 +1708,10 @@
           </a:lstStyle>
           <a:p>
             <a:r>
-              <a:rPr lang="en-US" altLang="ko-KR" dirty="0"/>
+              <a:rPr lang="en-US" altLang="ko-KR"/>
               <a:t>Your Picture Here</a:t>
             </a:r>
-            <a:endParaRPr lang="ko-KR" altLang="en-US" dirty="0"/>
+            <a:endParaRPr lang="ko-KR" altLang="en-US"/>
           </a:p>
         </p:txBody>
       </p:sp>
@@ -1270,10 +1790,10 @@
           </a:lstStyle>
           <a:p>
             <a:r>
-              <a:rPr lang="en-US" altLang="ko-KR" dirty="0"/>
+              <a:rPr lang="en-US" altLang="ko-KR"/>
               <a:t>Your Picture Here</a:t>
             </a:r>
-            <a:endParaRPr lang="ko-KR" altLang="en-US" dirty="0"/>
+            <a:endParaRPr lang="ko-KR" altLang="en-US"/>
           </a:p>
         </p:txBody>
       </p:sp>
@@ -1513,10 +2033,10 @@
           </a:lstStyle>
           <a:p>
             <a:r>
-              <a:rPr lang="en-US" altLang="ko-KR" dirty="0"/>
+              <a:rPr lang="en-US" altLang="ko-KR"/>
               <a:t>Your Picture Here</a:t>
             </a:r>
-            <a:endParaRPr lang="ko-KR" altLang="en-US" dirty="0"/>
+            <a:endParaRPr lang="ko-KR" altLang="en-US"/>
           </a:p>
         </p:txBody>
       </p:sp>
@@ -1880,10 +2400,10 @@
           </a:lstStyle>
           <a:p>
             <a:r>
-              <a:rPr lang="en-US" altLang="ko-KR" dirty="0"/>
+              <a:rPr lang="en-US" altLang="ko-KR"/>
               <a:t>Your Picture Here</a:t>
             </a:r>
-            <a:endParaRPr lang="ko-KR" altLang="en-US" dirty="0"/>
+            <a:endParaRPr lang="ko-KR" altLang="en-US"/>
           </a:p>
         </p:txBody>
       </p:sp>
@@ -2020,7 +2540,7 @@
             <a:lstStyle/>
             <a:p>
               <a:pPr algn="ctr"/>
-              <a:endParaRPr lang="ko-KR" altLang="en-US" dirty="0"/>
+              <a:endParaRPr lang="ko-KR" altLang="en-US"/>
             </a:p>
           </p:txBody>
         </p:sp>
@@ -3268,10 +3788,10 @@
           </a:lstStyle>
           <a:p>
             <a:r>
-              <a:rPr lang="en-US" altLang="ko-KR" dirty="0"/>
+              <a:rPr lang="en-US" altLang="ko-KR"/>
               <a:t>Your Picture Here</a:t>
             </a:r>
-            <a:endParaRPr lang="ko-KR" altLang="en-US" dirty="0"/>
+            <a:endParaRPr lang="ko-KR" altLang="en-US"/>
           </a:p>
         </p:txBody>
       </p:sp>
@@ -3355,10 +3875,10 @@
           </a:lstStyle>
           <a:p>
             <a:r>
-              <a:rPr lang="en-US" altLang="ko-KR" dirty="0"/>
+              <a:rPr lang="en-US" altLang="ko-KR"/>
               <a:t>Your Picture Here</a:t>
             </a:r>
-            <a:endParaRPr lang="ko-KR" altLang="en-US" dirty="0"/>
+            <a:endParaRPr lang="ko-KR" altLang="en-US"/>
           </a:p>
         </p:txBody>
       </p:sp>
@@ -3442,10 +3962,10 @@
           </a:lstStyle>
           <a:p>
             <a:r>
-              <a:rPr lang="en-US" altLang="ko-KR" dirty="0"/>
+              <a:rPr lang="en-US" altLang="ko-KR"/>
               <a:t>Your Picture Here</a:t>
             </a:r>
-            <a:endParaRPr lang="ko-KR" altLang="en-US" dirty="0"/>
+            <a:endParaRPr lang="ko-KR" altLang="en-US"/>
           </a:p>
         </p:txBody>
       </p:sp>
@@ -3529,10 +4049,10 @@
           </a:lstStyle>
           <a:p>
             <a:r>
-              <a:rPr lang="en-US" altLang="ko-KR" dirty="0"/>
+              <a:rPr lang="en-US" altLang="ko-KR"/>
               <a:t>Your Picture Here</a:t>
             </a:r>
-            <a:endParaRPr lang="ko-KR" altLang="en-US" dirty="0"/>
+            <a:endParaRPr lang="ko-KR" altLang="en-US"/>
           </a:p>
         </p:txBody>
       </p:sp>
@@ -3641,10 +4161,10 @@
           </a:lstStyle>
           <a:p>
             <a:r>
-              <a:rPr lang="en-US" altLang="ko-KR" dirty="0"/>
+              <a:rPr lang="en-US" altLang="ko-KR"/>
               <a:t>Your Picture Here</a:t>
             </a:r>
-            <a:endParaRPr lang="ko-KR" altLang="en-US" dirty="0"/>
+            <a:endParaRPr lang="ko-KR" altLang="en-US"/>
           </a:p>
         </p:txBody>
       </p:sp>
@@ -3799,10 +4319,10 @@
           </a:lstStyle>
           <a:p>
             <a:r>
-              <a:rPr lang="en-US" altLang="ko-KR" dirty="0"/>
+              <a:rPr lang="en-US" altLang="ko-KR"/>
               <a:t>Your Picture Here</a:t>
             </a:r>
-            <a:endParaRPr lang="ko-KR" altLang="en-US" dirty="0"/>
+            <a:endParaRPr lang="ko-KR" altLang="en-US"/>
           </a:p>
         </p:txBody>
       </p:sp>
@@ -4724,18 +5244,18 @@
           <a:p>
             <a:pPr lvl="0"/>
             <a:r>
-              <a:rPr lang="en-US" altLang="ko-KR" sz="3600" dirty="0">
+              <a:rPr lang="en-US" altLang="ko-KR" sz="3600">
                 <a:ea typeface="맑은 고딕" pitchFamily="50" charset="-127"/>
               </a:rPr>
               <a:t>LEGEND OF </a:t>
             </a:r>
             <a:r>
-              <a:rPr lang="en-US" altLang="ko-KR" dirty="0">
+              <a:rPr lang="en-US" altLang="ko-KR">
                 <a:ea typeface="맑은 고딕" pitchFamily="50" charset="-127"/>
               </a:rPr>
               <a:t>PIRATE</a:t>
             </a:r>
-            <a:endParaRPr lang="en-US" altLang="ko-KR" sz="3600" dirty="0"/>
+            <a:endParaRPr lang="en-US" altLang="ko-KR" sz="3600"/>
           </a:p>
         </p:txBody>
       </p:sp>
@@ -4761,7 +5281,7 @@
               <a:defRPr/>
             </a:pPr>
             <a:r>
-              <a:rPr lang="en-US" altLang="ko-KR" sz="1200" dirty="0"/>
+              <a:rPr lang="en-US" altLang="ko-KR" sz="1200"/>
               <a:t>2D HYPER CASUAL GAME – USING UNITY3D ENGINE</a:t>
             </a:r>
           </a:p>
@@ -4943,111 +5463,111 @@
               <a:defRPr/>
             </a:pPr>
             <a:r>
-              <a:rPr lang="en-US" altLang="ko-KR" sz="1200" dirty="0"/>
+              <a:rPr lang="en-US" altLang="ko-KR" sz="1200"/>
               <a:t>GVHD: </a:t>
             </a:r>
             <a:r>
-              <a:rPr lang="en-US" altLang="ko-KR" sz="1200" dirty="0" err="1"/>
+              <a:rPr lang="en-US" altLang="ko-KR" sz="1200" err="1"/>
               <a:t>Hồ</a:t>
             </a:r>
             <a:r>
-              <a:rPr lang="en-US" altLang="ko-KR" sz="1200" dirty="0"/>
+              <a:rPr lang="en-US" altLang="ko-KR" sz="1200"/>
               <a:t> </a:t>
             </a:r>
             <a:r>
-              <a:rPr lang="en-US" altLang="ko-KR" sz="1200" dirty="0" err="1"/>
+              <a:rPr lang="en-US" altLang="ko-KR" sz="1200" err="1"/>
               <a:t>Nguyên</a:t>
             </a:r>
             <a:r>
-              <a:rPr lang="en-US" altLang="ko-KR" sz="1200" dirty="0"/>
+              <a:rPr lang="en-US" altLang="ko-KR" sz="1200"/>
               <a:t> </a:t>
             </a:r>
             <a:r>
-              <a:rPr lang="en-US" altLang="ko-KR" sz="1200" dirty="0" err="1"/>
+              <a:rPr lang="en-US" altLang="ko-KR" sz="1200" err="1"/>
               <a:t>Hoàng</a:t>
             </a:r>
             <a:r>
-              <a:rPr lang="en-US" altLang="ko-KR" sz="1200" dirty="0"/>
+              <a:rPr lang="en-US" altLang="ko-KR" sz="1200"/>
               <a:t> </a:t>
             </a:r>
             <a:r>
-              <a:rPr lang="en-US" altLang="ko-KR" sz="1200" dirty="0" err="1"/>
+              <a:rPr lang="en-US" altLang="ko-KR" sz="1200" err="1"/>
               <a:t>Phương</a:t>
             </a:r>
             <a:r>
-              <a:rPr lang="en-US" altLang="ko-KR" sz="1200" dirty="0"/>
+              <a:rPr lang="en-US" altLang="ko-KR" sz="1200"/>
               <a:t> | </a:t>
             </a:r>
             <a:r>
-              <a:rPr lang="en-US" altLang="ko-KR" sz="1200" dirty="0" err="1"/>
+              <a:rPr lang="en-US" altLang="ko-KR" sz="1200" err="1"/>
               <a:t>Thành</a:t>
             </a:r>
             <a:r>
-              <a:rPr lang="en-US" altLang="ko-KR" sz="1200" dirty="0"/>
+              <a:rPr lang="en-US" altLang="ko-KR" sz="1200"/>
               <a:t> </a:t>
             </a:r>
             <a:r>
-              <a:rPr lang="en-US" altLang="ko-KR" sz="1200" dirty="0" err="1"/>
+              <a:rPr lang="en-US" altLang="ko-KR" sz="1200" err="1"/>
               <a:t>viên</a:t>
             </a:r>
             <a:r>
-              <a:rPr lang="en-US" altLang="ko-KR" sz="1200" dirty="0"/>
+              <a:rPr lang="en-US" altLang="ko-KR" sz="1200"/>
               <a:t>: </a:t>
             </a:r>
             <a:r>
-              <a:rPr lang="en-US" altLang="ko-KR" sz="1200" dirty="0" err="1"/>
+              <a:rPr lang="en-US" altLang="ko-KR" sz="1200" err="1"/>
               <a:t>Hà</a:t>
             </a:r>
             <a:r>
-              <a:rPr lang="en-US" altLang="ko-KR" sz="1200" dirty="0"/>
+              <a:rPr lang="en-US" altLang="ko-KR" sz="1200"/>
               <a:t> Nguyễn </a:t>
             </a:r>
             <a:r>
-              <a:rPr lang="en-US" altLang="ko-KR" sz="1200" dirty="0" err="1"/>
+              <a:rPr lang="en-US" altLang="ko-KR" sz="1200" err="1"/>
               <a:t>Hoàng</a:t>
             </a:r>
             <a:r>
-              <a:rPr lang="en-US" altLang="ko-KR" sz="1200" dirty="0"/>
+              <a:rPr lang="en-US" altLang="ko-KR" sz="1200"/>
               <a:t> </a:t>
             </a:r>
             <a:r>
-              <a:rPr lang="en-US" altLang="ko-KR" sz="1200" dirty="0" err="1"/>
+              <a:rPr lang="en-US" altLang="ko-KR" sz="1200" err="1"/>
               <a:t>Duy</a:t>
             </a:r>
             <a:r>
-              <a:rPr lang="en-US" altLang="ko-KR" sz="1200" dirty="0"/>
+              <a:rPr lang="en-US" altLang="ko-KR" sz="1200"/>
               <a:t>, </a:t>
             </a:r>
             <a:r>
-              <a:rPr lang="en-US" altLang="ko-KR" sz="1200" dirty="0" err="1"/>
+              <a:rPr lang="en-US" altLang="ko-KR" sz="1200" err="1"/>
               <a:t>Huỳnh</a:t>
             </a:r>
             <a:r>
-              <a:rPr lang="en-US" altLang="ko-KR" sz="1200" dirty="0"/>
+              <a:rPr lang="en-US" altLang="ko-KR" sz="1200"/>
               <a:t> </a:t>
             </a:r>
             <a:r>
-              <a:rPr lang="en-US" altLang="ko-KR" sz="1200" dirty="0" err="1"/>
+              <a:rPr lang="en-US" altLang="ko-KR" sz="1200" err="1"/>
               <a:t>Thiện</a:t>
             </a:r>
             <a:r>
-              <a:rPr lang="en-US" altLang="ko-KR" sz="1200" dirty="0"/>
+              <a:rPr lang="en-US" altLang="ko-KR" sz="1200"/>
               <a:t> </a:t>
             </a:r>
             <a:r>
-              <a:rPr lang="en-US" altLang="ko-KR" sz="1200" dirty="0" err="1"/>
+              <a:rPr lang="en-US" altLang="ko-KR" sz="1200" err="1"/>
               <a:t>Hữu</a:t>
             </a:r>
             <a:r>
-              <a:rPr lang="en-US" altLang="ko-KR" sz="1200" dirty="0"/>
+              <a:rPr lang="en-US" altLang="ko-KR" sz="1200"/>
               <a:t> &amp; Nguyễn </a:t>
             </a:r>
             <a:r>
-              <a:rPr lang="en-US" altLang="ko-KR" sz="1200" dirty="0" err="1"/>
+              <a:rPr lang="en-US" altLang="ko-KR" sz="1200" err="1"/>
               <a:t>Mạnh</a:t>
             </a:r>
             <a:r>
-              <a:rPr lang="en-US" altLang="ko-KR" sz="1200" dirty="0"/>
+              <a:rPr lang="en-US" altLang="ko-KR" sz="1200"/>
               <a:t> Quỳnh</a:t>
             </a:r>
           </a:p>
@@ -5121,7 +5641,7 @@
           <a:p>
             <a:pPr algn="l"/>
             <a:r>
-              <a:rPr lang="en-US" sz="3600" dirty="0" err="1">
+              <a:rPr lang="en-US" sz="3600" err="1">
                 <a:solidFill>
                   <a:schemeClr val="tx1">
                     <a:lumMod val="75000"/>
@@ -5133,7 +5653,7 @@
               <a:t>Nội</a:t>
             </a:r>
             <a:r>
-              <a:rPr lang="en-US" sz="3600" dirty="0">
+              <a:rPr lang="en-US" sz="3600">
                 <a:solidFill>
                   <a:schemeClr val="tx1">
                     <a:lumMod val="75000"/>
@@ -5145,7 +5665,7 @@
               <a:t> dung </a:t>
             </a:r>
             <a:r>
-              <a:rPr lang="en-US" sz="3600" dirty="0" err="1">
+              <a:rPr lang="en-US" sz="3600" err="1">
                 <a:solidFill>
                   <a:schemeClr val="tx1">
                     <a:lumMod val="75000"/>
@@ -5156,7 +5676,7 @@
               </a:rPr>
               <a:t>chính</a:t>
             </a:r>
-            <a:endParaRPr lang="en-US" sz="3600" dirty="0">
+            <a:endParaRPr lang="en-US" sz="3600">
               <a:solidFill>
                 <a:schemeClr val="tx1">
                   <a:lumMod val="75000"/>
@@ -5396,7 +5916,7 @@
                 </a:spcAft>
                 <a:defRPr/>
               </a:pPr>
-              <a:endParaRPr kumimoji="0" lang="ko-KR" altLang="en-US" sz="2800" dirty="0">
+              <a:endParaRPr kumimoji="0" lang="ko-KR" altLang="en-US" sz="2800">
                 <a:solidFill>
                   <a:schemeClr val="bg1"/>
                 </a:solidFill>
@@ -5428,7 +5948,7 @@
             <a:p>
               <a:pPr algn="ctr"/>
               <a:r>
-                <a:rPr lang="en-US" altLang="ko-KR" sz="2400" b="1" dirty="0">
+                <a:rPr lang="en-US" altLang="ko-KR" sz="2400" b="1">
                   <a:solidFill>
                     <a:schemeClr val="accent1"/>
                   </a:solidFill>
@@ -5560,7 +6080,7 @@
                 <a:defRPr/>
               </a:pPr>
               <a:r>
-                <a:rPr lang="en-US" altLang="ko-KR" sz="2000" b="1" dirty="0" err="1">
+                <a:rPr lang="en-US" altLang="ko-KR" sz="2000" b="1" err="1">
                   <a:solidFill>
                     <a:schemeClr val="bg1"/>
                   </a:solidFill>
@@ -5569,7 +6089,7 @@
                 <a:t>Giới</a:t>
               </a:r>
               <a:r>
-                <a:rPr lang="en-US" altLang="ko-KR" sz="2000" b="1" dirty="0">
+                <a:rPr lang="en-US" altLang="ko-KR" sz="2000" b="1">
                   <a:solidFill>
                     <a:schemeClr val="bg1"/>
                   </a:solidFill>
@@ -5578,7 +6098,7 @@
                 <a:t> </a:t>
               </a:r>
               <a:r>
-                <a:rPr lang="en-US" altLang="ko-KR" sz="2000" b="1" dirty="0" err="1">
+                <a:rPr lang="en-US" altLang="ko-KR" sz="2000" b="1" err="1">
                   <a:solidFill>
                     <a:schemeClr val="bg1"/>
                   </a:solidFill>
@@ -5587,7 +6107,7 @@
                 <a:t>thiệu</a:t>
               </a:r>
               <a:r>
-                <a:rPr lang="en-US" altLang="ko-KR" sz="2000" b="1" dirty="0">
+                <a:rPr lang="en-US" altLang="ko-KR" sz="2000" b="1">
                   <a:solidFill>
                     <a:schemeClr val="bg1"/>
                   </a:solidFill>
@@ -5596,7 +6116,7 @@
                 <a:t> </a:t>
               </a:r>
               <a:r>
-                <a:rPr lang="en-US" altLang="ko-KR" sz="2000" b="1" dirty="0" err="1">
+                <a:rPr lang="en-US" altLang="ko-KR" sz="2000" b="1" err="1">
                   <a:solidFill>
                     <a:schemeClr val="bg1"/>
                   </a:solidFill>
@@ -5605,7 +6125,7 @@
                 <a:t>tổng</a:t>
               </a:r>
               <a:r>
-                <a:rPr lang="en-US" altLang="ko-KR" sz="2000" b="1" dirty="0">
+                <a:rPr lang="en-US" altLang="ko-KR" sz="2000" b="1">
                   <a:solidFill>
                     <a:schemeClr val="bg1"/>
                   </a:solidFill>
@@ -5614,7 +6134,7 @@
                 <a:t> </a:t>
               </a:r>
               <a:r>
-                <a:rPr lang="en-US" altLang="ko-KR" sz="2000" b="1" dirty="0" err="1">
+                <a:rPr lang="en-US" altLang="ko-KR" sz="2000" b="1" err="1">
                   <a:solidFill>
                     <a:schemeClr val="bg1"/>
                   </a:solidFill>
@@ -5622,7 +6142,7 @@
                 </a:rPr>
                 <a:t>quan</a:t>
               </a:r>
-              <a:endParaRPr lang="en-US" altLang="ko-KR" sz="2000" b="1" dirty="0">
+              <a:endParaRPr lang="en-US" altLang="ko-KR" sz="2000" b="1">
                 <a:solidFill>
                   <a:schemeClr val="bg1"/>
                 </a:solidFill>
@@ -5860,7 +6380,7 @@
                 </a:spcAft>
                 <a:defRPr/>
               </a:pPr>
-              <a:endParaRPr kumimoji="0" lang="ko-KR" altLang="en-US" sz="2800" dirty="0">
+              <a:endParaRPr kumimoji="0" lang="ko-KR" altLang="en-US" sz="2800">
                 <a:solidFill>
                   <a:schemeClr val="bg1"/>
                 </a:solidFill>
@@ -5892,7 +6412,7 @@
             <a:p>
               <a:pPr algn="ctr"/>
               <a:r>
-                <a:rPr lang="en-US" altLang="ko-KR" sz="2400" b="1" dirty="0">
+                <a:rPr lang="en-US" altLang="ko-KR" sz="2400" b="1">
                   <a:solidFill>
                     <a:schemeClr val="accent2"/>
                   </a:solidFill>
@@ -6024,7 +6544,7 @@
                 <a:defRPr/>
               </a:pPr>
               <a:r>
-                <a:rPr lang="en-US" altLang="ko-KR" sz="2000" b="1" dirty="0" err="1">
+                <a:rPr lang="en-US" altLang="ko-KR" sz="2000" b="1" err="1">
                   <a:solidFill>
                     <a:schemeClr val="bg1"/>
                   </a:solidFill>
@@ -6033,7 +6553,7 @@
                 <a:t>Phân</a:t>
               </a:r>
               <a:r>
-                <a:rPr lang="en-US" altLang="ko-KR" sz="2000" b="1" dirty="0">
+                <a:rPr lang="en-US" altLang="ko-KR" sz="2000" b="1">
                   <a:solidFill>
                     <a:schemeClr val="bg1"/>
                   </a:solidFill>
@@ -6042,7 +6562,7 @@
                 <a:t> </a:t>
               </a:r>
               <a:r>
-                <a:rPr lang="en-US" altLang="ko-KR" sz="2000" b="1" dirty="0" err="1">
+                <a:rPr lang="en-US" altLang="ko-KR" sz="2000" b="1" err="1">
                   <a:solidFill>
                     <a:schemeClr val="bg1"/>
                   </a:solidFill>
@@ -6051,7 +6571,7 @@
                 <a:t>tích</a:t>
               </a:r>
               <a:r>
-                <a:rPr lang="en-US" altLang="ko-KR" sz="2000" b="1" dirty="0">
+                <a:rPr lang="en-US" altLang="ko-KR" sz="2000" b="1">
                   <a:solidFill>
                     <a:schemeClr val="bg1"/>
                   </a:solidFill>
@@ -6060,7 +6580,7 @@
                 <a:t> </a:t>
               </a:r>
               <a:r>
-                <a:rPr lang="en-US" altLang="ko-KR" sz="2000" b="1" dirty="0" err="1">
+                <a:rPr lang="en-US" altLang="ko-KR" sz="2000" b="1" err="1">
                   <a:solidFill>
                     <a:schemeClr val="bg1"/>
                   </a:solidFill>
@@ -6069,7 +6589,7 @@
                 <a:t>thiết</a:t>
               </a:r>
               <a:r>
-                <a:rPr lang="en-US" altLang="ko-KR" sz="2000" b="1" dirty="0">
+                <a:rPr lang="en-US" altLang="ko-KR" sz="2000" b="1">
                   <a:solidFill>
                     <a:schemeClr val="bg1"/>
                   </a:solidFill>
@@ -6078,7 +6598,7 @@
                 <a:t> </a:t>
               </a:r>
               <a:r>
-                <a:rPr lang="en-US" altLang="ko-KR" sz="2000" b="1" dirty="0" err="1">
+                <a:rPr lang="en-US" altLang="ko-KR" sz="2000" b="1" err="1">
                   <a:solidFill>
                     <a:schemeClr val="bg1"/>
                   </a:solidFill>
@@ -6086,7 +6606,7 @@
                 </a:rPr>
                 <a:t>kế</a:t>
               </a:r>
-              <a:endParaRPr lang="en-US" altLang="ko-KR" sz="2000" b="1" dirty="0">
+              <a:endParaRPr lang="en-US" altLang="ko-KR" sz="2000" b="1">
                 <a:solidFill>
                   <a:schemeClr val="bg1"/>
                 </a:solidFill>
@@ -6324,7 +6844,7 @@
                 </a:spcAft>
                 <a:defRPr/>
               </a:pPr>
-              <a:endParaRPr kumimoji="0" lang="ko-KR" altLang="en-US" sz="2800" dirty="0">
+              <a:endParaRPr kumimoji="0" lang="ko-KR" altLang="en-US" sz="2800">
                 <a:solidFill>
                   <a:schemeClr val="bg1"/>
                 </a:solidFill>
@@ -6356,7 +6876,7 @@
             <a:p>
               <a:pPr algn="ctr"/>
               <a:r>
-                <a:rPr lang="en-US" altLang="ko-KR" sz="2400" b="1" dirty="0">
+                <a:rPr lang="en-US" altLang="ko-KR" sz="2400" b="1">
                   <a:solidFill>
                     <a:schemeClr val="accent3"/>
                   </a:solidFill>
@@ -6488,7 +7008,7 @@
                 <a:defRPr/>
               </a:pPr>
               <a:r>
-                <a:rPr lang="en-US" altLang="ko-KR" sz="2000" b="1" dirty="0" err="1">
+                <a:rPr lang="en-US" altLang="ko-KR" sz="2000" b="1" err="1">
                   <a:solidFill>
                     <a:schemeClr val="bg1"/>
                   </a:solidFill>
@@ -6497,7 +7017,7 @@
                 <a:t>Chơi</a:t>
               </a:r>
               <a:r>
-                <a:rPr lang="en-US" altLang="ko-KR" sz="2000" b="1" dirty="0">
+                <a:rPr lang="en-US" altLang="ko-KR" sz="2000" b="1">
                   <a:solidFill>
                     <a:schemeClr val="bg1"/>
                   </a:solidFill>
@@ -6506,7 +7026,7 @@
                 <a:t> </a:t>
               </a:r>
               <a:r>
-                <a:rPr lang="en-US" altLang="ko-KR" sz="2000" b="1" dirty="0" err="1">
+                <a:rPr lang="en-US" altLang="ko-KR" sz="2000" b="1" err="1">
                   <a:solidFill>
                     <a:schemeClr val="bg1"/>
                   </a:solidFill>
@@ -6515,7 +7035,7 @@
                 <a:t>thử</a:t>
               </a:r>
               <a:r>
-                <a:rPr lang="en-US" altLang="ko-KR" sz="2000" b="1" dirty="0">
+                <a:rPr lang="en-US" altLang="ko-KR" sz="2000" b="1">
                   <a:solidFill>
                     <a:schemeClr val="bg1"/>
                   </a:solidFill>
@@ -6524,7 +7044,7 @@
                 <a:t> </a:t>
               </a:r>
               <a:r>
-                <a:rPr lang="en-US" altLang="ko-KR" sz="2000" b="1" dirty="0" err="1">
+                <a:rPr lang="en-US" altLang="ko-KR" sz="2000" b="1" err="1">
                   <a:solidFill>
                     <a:schemeClr val="bg1"/>
                   </a:solidFill>
@@ -6532,7 +7052,7 @@
                 </a:rPr>
                 <a:t>nghiệm</a:t>
               </a:r>
-              <a:endParaRPr lang="en-US" altLang="ko-KR" sz="2000" b="1" dirty="0">
+              <a:endParaRPr lang="en-US" altLang="ko-KR" sz="2000" b="1">
                 <a:solidFill>
                   <a:schemeClr val="bg1"/>
                 </a:solidFill>
@@ -6770,7 +7290,7 @@
                 </a:spcAft>
                 <a:defRPr/>
               </a:pPr>
-              <a:endParaRPr kumimoji="0" lang="ko-KR" altLang="en-US" sz="2800" dirty="0">
+              <a:endParaRPr kumimoji="0" lang="ko-KR" altLang="en-US" sz="2800">
                 <a:solidFill>
                   <a:schemeClr val="bg1"/>
                 </a:solidFill>
@@ -6802,7 +7322,7 @@
             <a:p>
               <a:pPr algn="ctr"/>
               <a:r>
-                <a:rPr lang="en-US" altLang="ko-KR" sz="2400" b="1" dirty="0">
+                <a:rPr lang="en-US" altLang="ko-KR" sz="2400" b="1">
                   <a:solidFill>
                     <a:schemeClr val="accent4"/>
                   </a:solidFill>
@@ -6934,7 +7454,7 @@
                 <a:defRPr/>
               </a:pPr>
               <a:r>
-                <a:rPr lang="en-US" altLang="ko-KR" sz="2000" b="1" dirty="0">
+                <a:rPr lang="en-US" altLang="ko-KR" sz="2000" b="1">
                   <a:solidFill>
                     <a:schemeClr val="bg1"/>
                   </a:solidFill>
@@ -6992,34 +7512,34 @@
           <a:lstStyle/>
           <a:p>
             <a:r>
-              <a:rPr lang="en-US" altLang="ko-KR" dirty="0" err="1"/>
+              <a:rPr lang="en-US" altLang="ko-KR" err="1"/>
               <a:t>Giới</a:t>
             </a:r>
             <a:r>
-              <a:rPr lang="en-US" altLang="ko-KR" dirty="0"/>
+              <a:rPr lang="en-US" altLang="ko-KR"/>
               <a:t> </a:t>
             </a:r>
             <a:r>
-              <a:rPr lang="en-US" altLang="ko-KR" dirty="0" err="1"/>
+              <a:rPr lang="en-US" altLang="ko-KR" err="1"/>
               <a:t>thiệu</a:t>
             </a:r>
             <a:r>
-              <a:rPr lang="en-US" altLang="ko-KR" dirty="0"/>
+              <a:rPr lang="en-US" altLang="ko-KR"/>
               <a:t> </a:t>
             </a:r>
             <a:r>
-              <a:rPr lang="en-US" altLang="ko-KR" dirty="0" err="1"/>
+              <a:rPr lang="en-US" altLang="ko-KR" err="1"/>
               <a:t>tổng</a:t>
             </a:r>
             <a:r>
-              <a:rPr lang="en-US" altLang="ko-KR" dirty="0"/>
+              <a:rPr lang="en-US" altLang="ko-KR"/>
               <a:t> </a:t>
             </a:r>
             <a:r>
-              <a:rPr lang="en-US" altLang="ko-KR" dirty="0" err="1"/>
+              <a:rPr lang="en-US" altLang="ko-KR" err="1"/>
               <a:t>quan</a:t>
             </a:r>
-            <a:endParaRPr lang="ko-KR" altLang="en-US" dirty="0"/>
+            <a:endParaRPr lang="ko-KR" altLang="en-US"/>
           </a:p>
         </p:txBody>
       </p:sp>
@@ -7184,7 +7704,7 @@
           <a:lstStyle/>
           <a:p>
             <a:r>
-              <a:rPr lang="en-US" altLang="ko-KR" sz="2800" b="1" dirty="0">
+              <a:rPr lang="en-US" altLang="ko-KR" sz="2800" b="1">
                 <a:solidFill>
                   <a:schemeClr val="bg1"/>
                 </a:solidFill>
@@ -7218,7 +7738,7 @@
           <a:lstStyle/>
           <a:p>
             <a:r>
-              <a:rPr lang="en-US" altLang="ko-KR" sz="2800" b="1" dirty="0">
+              <a:rPr lang="en-US" altLang="ko-KR" sz="2800" b="1">
                 <a:solidFill>
                   <a:schemeClr val="bg1"/>
                 </a:solidFill>
@@ -7252,47 +7772,13 @@
           <a:lstStyle/>
           <a:p>
             <a:r>
-              <a:rPr lang="en-US" altLang="ko-KR" sz="2800" b="1" dirty="0">
+              <a:rPr lang="en-US" altLang="ko-KR" sz="2800" b="1">
                 <a:solidFill>
                   <a:schemeClr val="bg1"/>
                 </a:solidFill>
                 <a:cs typeface="Arial" pitchFamily="34" charset="0"/>
               </a:rPr>
               <a:t>02</a:t>
-            </a:r>
-          </a:p>
-        </p:txBody>
-      </p:sp>
-      <p:sp>
-        <p:nvSpPr>
-          <p:cNvPr id="11" name="TextBox 10"/>
-          <p:cNvSpPr txBox="1"/>
-          <p:nvPr/>
-        </p:nvSpPr>
-        <p:spPr>
-          <a:xfrm>
-            <a:off x="4893400" y="3458493"/>
-            <a:ext cx="604639" cy="430887"/>
-          </a:xfrm>
-          <a:prstGeom prst="rect">
-            <a:avLst/>
-          </a:prstGeom>
-          <a:noFill/>
-        </p:spPr>
-        <p:txBody>
-          <a:bodyPr wrap="square" tIns="0" bIns="0" rtlCol="0" anchor="ctr">
-            <a:spAutoFit/>
-          </a:bodyPr>
-          <a:lstStyle/>
-          <a:p>
-            <a:r>
-              <a:rPr lang="en-US" altLang="ko-KR" sz="2800" b="1" dirty="0">
-                <a:solidFill>
-                  <a:schemeClr val="bg1"/>
-                </a:solidFill>
-                <a:cs typeface="Arial" pitchFamily="34" charset="0"/>
-              </a:rPr>
-              <a:t>04</a:t>
             </a:r>
           </a:p>
         </p:txBody>
@@ -7334,7 +7820,7 @@
             <a:lstStyle/>
             <a:p>
               <a:r>
-                <a:rPr lang="en-US" altLang="ko-KR" sz="1600" dirty="0">
+                <a:rPr lang="en-US" altLang="ko-KR" sz="1600">
                   <a:solidFill>
                     <a:schemeClr val="tx1">
                       <a:lumMod val="75000"/>
@@ -7348,7 +7834,7 @@
             </a:p>
             <a:p>
               <a:r>
-                <a:rPr lang="en-US" altLang="ko-KR" sz="1600" dirty="0">
+                <a:rPr lang="en-US" altLang="ko-KR" sz="1600">
                   <a:solidFill>
                     <a:schemeClr val="tx1">
                       <a:lumMod val="75000"/>
@@ -7385,7 +7871,7 @@
             <a:lstStyle/>
             <a:p>
               <a:r>
-                <a:rPr lang="en-US" altLang="ko-KR" sz="2000" b="1" dirty="0" err="1">
+                <a:rPr lang="en-US" altLang="ko-KR" sz="2000" b="1" err="1">
                   <a:solidFill>
                     <a:schemeClr val="accent1"/>
                   </a:solidFill>
@@ -7394,7 +7880,7 @@
                 <a:t>Lý</a:t>
               </a:r>
               <a:r>
-                <a:rPr lang="en-US" altLang="ko-KR" sz="2000" b="1" dirty="0">
+                <a:rPr lang="en-US" altLang="ko-KR" sz="2000" b="1">
                   <a:solidFill>
                     <a:schemeClr val="accent1"/>
                   </a:solidFill>
@@ -7403,7 +7889,7 @@
                 <a:t> do </a:t>
               </a:r>
               <a:r>
-                <a:rPr lang="en-US" altLang="ko-KR" sz="2000" b="1" dirty="0" err="1">
+                <a:rPr lang="en-US" altLang="ko-KR" sz="2000" b="1" err="1">
                   <a:solidFill>
                     <a:schemeClr val="accent1"/>
                   </a:solidFill>
@@ -7412,7 +7898,7 @@
                 <a:t>chọn</a:t>
               </a:r>
               <a:r>
-                <a:rPr lang="en-US" altLang="ko-KR" sz="2000" b="1" dirty="0">
+                <a:rPr lang="en-US" altLang="ko-KR" sz="2000" b="1">
                   <a:solidFill>
                     <a:schemeClr val="accent1"/>
                   </a:solidFill>
@@ -7421,7 +7907,7 @@
                 <a:t> </a:t>
               </a:r>
               <a:r>
-                <a:rPr lang="en-US" altLang="ko-KR" sz="2000" b="1" dirty="0" err="1">
+                <a:rPr lang="en-US" altLang="ko-KR" sz="2000" b="1" err="1">
                   <a:solidFill>
                     <a:schemeClr val="accent1"/>
                   </a:solidFill>
@@ -7430,7 +7916,7 @@
                 <a:t>đề</a:t>
               </a:r>
               <a:r>
-                <a:rPr lang="en-US" altLang="ko-KR" sz="2000" b="1" dirty="0">
+                <a:rPr lang="en-US" altLang="ko-KR" sz="2000" b="1">
                   <a:solidFill>
                     <a:schemeClr val="accent1"/>
                   </a:solidFill>
@@ -7439,7 +7925,7 @@
                 <a:t> </a:t>
               </a:r>
               <a:r>
-                <a:rPr lang="en-US" altLang="ko-KR" sz="2000" b="1" dirty="0" err="1">
+                <a:rPr lang="en-US" altLang="ko-KR" sz="2000" b="1" err="1">
                   <a:solidFill>
                     <a:schemeClr val="accent1"/>
                   </a:solidFill>
@@ -7447,7 +7933,7 @@
                 </a:rPr>
                 <a:t>tài</a:t>
               </a:r>
-              <a:endParaRPr lang="ko-KR" altLang="en-US" sz="2000" b="1" dirty="0">
+              <a:endParaRPr lang="ko-KR" altLang="en-US" sz="2000" b="1">
                 <a:solidFill>
                   <a:schemeClr val="accent1"/>
                 </a:solidFill>
@@ -7494,7 +7980,7 @@
             <a:lstStyle/>
             <a:p>
               <a:r>
-                <a:rPr lang="en-US" altLang="ko-KR" sz="1600" dirty="0">
+                <a:rPr lang="en-US" altLang="ko-KR" sz="1600">
                   <a:solidFill>
                     <a:schemeClr val="tx1">
                       <a:lumMod val="75000"/>
@@ -7508,7 +7994,7 @@
             </a:p>
             <a:p>
               <a:r>
-                <a:rPr lang="en-US" altLang="ko-KR" sz="1600" dirty="0">
+                <a:rPr lang="en-US" altLang="ko-KR" sz="1600">
                   <a:solidFill>
                     <a:schemeClr val="tx1">
                       <a:lumMod val="75000"/>
@@ -7519,7 +8005,7 @@
                 </a:rPr>
                 <a:t>OPEN WORLD</a:t>
               </a:r>
-              <a:endParaRPr lang="ko-KR" altLang="en-US" sz="1600" dirty="0">
+              <a:endParaRPr lang="ko-KR" altLang="en-US" sz="1600">
                 <a:solidFill>
                   <a:schemeClr val="tx1">
                     <a:lumMod val="75000"/>
@@ -7554,7 +8040,7 @@
             <a:lstStyle/>
             <a:p>
               <a:r>
-                <a:rPr lang="en-US" altLang="ko-KR" sz="2400" b="1" dirty="0" err="1">
+                <a:rPr lang="en-US" altLang="ko-KR" sz="2400" b="1" err="1">
                   <a:solidFill>
                     <a:schemeClr val="accent4"/>
                   </a:solidFill>
@@ -7563,7 +8049,7 @@
                 <a:t>Giới</a:t>
               </a:r>
               <a:r>
-                <a:rPr lang="en-US" altLang="ko-KR" sz="2400" b="1" dirty="0">
+                <a:rPr lang="en-US" altLang="ko-KR" sz="2400" b="1">
                   <a:solidFill>
                     <a:schemeClr val="accent4"/>
                   </a:solidFill>
@@ -7572,7 +8058,7 @@
                 <a:t> </a:t>
               </a:r>
               <a:r>
-                <a:rPr lang="en-US" altLang="ko-KR" sz="2400" b="1" dirty="0" err="1">
+                <a:rPr lang="en-US" altLang="ko-KR" sz="2400" b="1" err="1">
                   <a:solidFill>
                     <a:schemeClr val="accent4"/>
                   </a:solidFill>
@@ -7581,7 +8067,7 @@
                 <a:t>thiệu</a:t>
               </a:r>
               <a:r>
-                <a:rPr lang="en-US" altLang="ko-KR" sz="2400" b="1" dirty="0">
+                <a:rPr lang="en-US" altLang="ko-KR" sz="2400" b="1">
                   <a:solidFill>
                     <a:schemeClr val="accent4"/>
                   </a:solidFill>
@@ -7589,7 +8075,7 @@
                 </a:rPr>
                 <a:t> game</a:t>
               </a:r>
-              <a:endParaRPr lang="ko-KR" altLang="en-US" sz="2400" b="1" dirty="0">
+              <a:endParaRPr lang="ko-KR" altLang="en-US" sz="2400" b="1">
                 <a:solidFill>
                   <a:schemeClr val="accent4"/>
                 </a:solidFill>
@@ -7607,10 +8093,10 @@
         </p:nvGrpSpPr>
         <p:grpSpPr>
           <a:xfrm>
-            <a:off x="5652252" y="884287"/>
-            <a:ext cx="2934143" cy="2491368"/>
-            <a:chOff x="1444873" y="1364048"/>
-            <a:chExt cx="3031457" cy="1376838"/>
+            <a:off x="5641164" y="1490235"/>
+            <a:ext cx="3238900" cy="1449423"/>
+            <a:chOff x="1433417" y="1698921"/>
+            <a:chExt cx="3346322" cy="801014"/>
           </a:xfrm>
         </p:grpSpPr>
         <p:sp>
@@ -7621,8 +8107,8 @@
           </p:nvSpPr>
           <p:spPr>
             <a:xfrm>
-              <a:off x="1444873" y="1663668"/>
-              <a:ext cx="3023679" cy="1077218"/>
+              <a:off x="1444873" y="1904618"/>
+              <a:ext cx="3023679" cy="595317"/>
             </a:xfrm>
             <a:prstGeom prst="rect">
               <a:avLst/>
@@ -7636,7 +8122,7 @@
             <a:lstStyle/>
             <a:p>
               <a:r>
-                <a:rPr lang="en-US" altLang="ko-KR" sz="1600" dirty="0">
+                <a:rPr lang="en-US" altLang="ko-KR" sz="1600">
                   <a:solidFill>
                     <a:schemeClr val="tx1">
                       <a:lumMod val="75000"/>
@@ -7645,12 +8131,12 @@
                   </a:solidFill>
                   <a:cs typeface="Arial" pitchFamily="34" charset="0"/>
                 </a:rPr>
-                <a:t>UNITY3D</a:t>
+                <a:t>UNITY2D</a:t>
               </a:r>
             </a:p>
             <a:p>
               <a:r>
-                <a:rPr lang="en-US" altLang="ko-KR" sz="1600" dirty="0">
+                <a:rPr lang="en-US" altLang="ko-KR" sz="1600">
                   <a:solidFill>
                     <a:schemeClr val="tx1">
                       <a:lumMod val="75000"/>
@@ -7664,7 +8150,7 @@
             </a:p>
             <a:p>
               <a:r>
-                <a:rPr lang="en-US" altLang="ko-KR" sz="1600" dirty="0">
+                <a:rPr lang="en-US" altLang="ko-KR" sz="1600">
                   <a:solidFill>
                     <a:schemeClr val="tx1">
                       <a:lumMod val="75000"/>
@@ -7678,7 +8164,7 @@
             </a:p>
             <a:p>
               <a:r>
-                <a:rPr lang="en-US" altLang="ko-KR" sz="1600" dirty="0">
+                <a:rPr lang="en-US" altLang="ko-KR" sz="1600">
                   <a:solidFill>
                     <a:schemeClr val="tx1">
                       <a:lumMod val="75000"/>
@@ -7700,8 +8186,8 @@
           </p:nvSpPr>
           <p:spPr>
             <a:xfrm>
-              <a:off x="1446245" y="1364048"/>
-              <a:ext cx="3030085" cy="707886"/>
+              <a:off x="1433417" y="1698921"/>
+              <a:ext cx="3346322" cy="221118"/>
             </a:xfrm>
             <a:prstGeom prst="rect">
               <a:avLst/>
@@ -7715,7 +8201,7 @@
             <a:lstStyle/>
             <a:p>
               <a:r>
-                <a:rPr lang="en-US" altLang="ko-KR" sz="2000" b="1" dirty="0" err="1">
+                <a:rPr lang="en-US" altLang="ko-KR" sz="2000" b="1" err="1">
                   <a:solidFill>
                     <a:schemeClr val="accent2"/>
                   </a:solidFill>
@@ -7724,7 +8210,7 @@
                 <a:t>Các</a:t>
               </a:r>
               <a:r>
-                <a:rPr lang="en-US" altLang="ko-KR" sz="2000" b="1" dirty="0">
+                <a:rPr lang="en-US" altLang="ko-KR" sz="2000" b="1">
                   <a:solidFill>
                     <a:schemeClr val="accent2"/>
                   </a:solidFill>
@@ -7733,7 +8219,7 @@
                 <a:t> </a:t>
               </a:r>
               <a:r>
-                <a:rPr lang="en-US" altLang="ko-KR" sz="2000" b="1" dirty="0" err="1">
+                <a:rPr lang="en-US" altLang="ko-KR" sz="2000" b="1" err="1">
                   <a:solidFill>
                     <a:schemeClr val="accent2"/>
                   </a:solidFill>
@@ -7742,7 +8228,7 @@
                 <a:t>công</a:t>
               </a:r>
               <a:r>
-                <a:rPr lang="en-US" altLang="ko-KR" sz="2000" b="1" dirty="0">
+                <a:rPr lang="en-US" altLang="ko-KR" sz="2000" b="1">
                   <a:solidFill>
                     <a:schemeClr val="accent2"/>
                   </a:solidFill>
@@ -7751,7 +8237,7 @@
                 <a:t> </a:t>
               </a:r>
               <a:r>
-                <a:rPr lang="en-US" altLang="ko-KR" sz="2000" b="1" dirty="0" err="1">
+                <a:rPr lang="en-US" altLang="ko-KR" sz="2000" b="1" err="1">
                   <a:solidFill>
                     <a:schemeClr val="accent2"/>
                   </a:solidFill>
@@ -7760,7 +8246,7 @@
                 <a:t>nghệ</a:t>
               </a:r>
               <a:r>
-                <a:rPr lang="en-US" altLang="ko-KR" sz="2000" b="1" dirty="0">
+                <a:rPr lang="en-US" altLang="ko-KR" sz="2000" b="1">
                   <a:solidFill>
                     <a:schemeClr val="accent2"/>
                   </a:solidFill>
@@ -7769,7 +8255,7 @@
                 <a:t> </a:t>
               </a:r>
               <a:r>
-                <a:rPr lang="en-US" altLang="ko-KR" sz="2000" b="1" dirty="0" err="1">
+                <a:rPr lang="en-US" altLang="ko-KR" sz="2000" b="1" err="1">
                   <a:solidFill>
                     <a:schemeClr val="accent2"/>
                   </a:solidFill>
@@ -7778,7 +8264,7 @@
                 <a:t>sử</a:t>
               </a:r>
               <a:r>
-                <a:rPr lang="en-US" altLang="ko-KR" sz="2000" b="1" dirty="0">
+                <a:rPr lang="en-US" altLang="ko-KR" sz="2000" b="1">
                   <a:solidFill>
                     <a:schemeClr val="accent2"/>
                   </a:solidFill>
@@ -7787,7 +8273,7 @@
                 <a:t> </a:t>
               </a:r>
               <a:r>
-                <a:rPr lang="en-US" altLang="ko-KR" sz="2000" b="1" dirty="0" err="1">
+                <a:rPr lang="en-US" altLang="ko-KR" sz="2000" b="1" err="1">
                   <a:solidFill>
                     <a:schemeClr val="accent2"/>
                   </a:solidFill>
@@ -7795,7 +8281,7 @@
                 </a:rPr>
                 <a:t>dụng</a:t>
               </a:r>
-              <a:endParaRPr lang="ko-KR" altLang="en-US" sz="2000" b="1" dirty="0">
+              <a:endParaRPr lang="ko-KR" altLang="en-US" sz="2000" b="1">
                 <a:solidFill>
                   <a:schemeClr val="accent2"/>
                 </a:solidFill>
@@ -7805,40 +8291,6 @@
           </p:txBody>
         </p:sp>
       </p:grpSp>
-      <p:sp>
-        <p:nvSpPr>
-          <p:cNvPr id="22" name="TextBox 21"/>
-          <p:cNvSpPr txBox="1"/>
-          <p:nvPr/>
-        </p:nvSpPr>
-        <p:spPr>
-          <a:xfrm>
-            <a:off x="5710827" y="3672392"/>
-            <a:ext cx="2926615" cy="276999"/>
-          </a:xfrm>
-          <a:prstGeom prst="rect">
-            <a:avLst/>
-          </a:prstGeom>
-          <a:noFill/>
-        </p:spPr>
-        <p:txBody>
-          <a:bodyPr wrap="square" rtlCol="0" anchor="ctr">
-            <a:spAutoFit/>
-          </a:bodyPr>
-          <a:lstStyle/>
-          <a:p>
-            <a:endParaRPr lang="ko-KR" altLang="en-US" sz="1200" dirty="0">
-              <a:solidFill>
-                <a:schemeClr val="tx1">
-                  <a:lumMod val="75000"/>
-                  <a:lumOff val="25000"/>
-                </a:schemeClr>
-              </a:solidFill>
-              <a:cs typeface="Arial" pitchFamily="34" charset="0"/>
-            </a:endParaRPr>
-          </a:p>
-        </p:txBody>
-      </p:sp>
     </p:spTree>
     <p:extLst>
       <p:ext uri="{BB962C8B-B14F-4D97-AF65-F5344CB8AC3E}">
@@ -7855,6 +8307,14 @@
 <file path=ppt/slides/slide4.xml><?xml version="1.0" encoding="utf-8"?>
 <p:sld xmlns:a="http://schemas.openxmlformats.org/drawingml/2006/main" xmlns:r="http://schemas.openxmlformats.org/officeDocument/2006/relationships" xmlns:p="http://schemas.openxmlformats.org/presentationml/2006/main">
   <p:cSld>
+    <p:bg>
+      <p:bgPr>
+        <a:solidFill>
+          <a:schemeClr val="bg1"/>
+        </a:solidFill>
+        <a:effectLst/>
+      </p:bgPr>
+    </p:bg>
     <p:spTree>
       <p:nvGrpSpPr>
         <p:cNvPr id="1" name=""/>
@@ -7885,74 +8345,71 @@
           <a:lstStyle/>
           <a:p>
             <a:r>
-              <a:rPr lang="en-US" altLang="ko-KR" dirty="0" err="1"/>
+              <a:rPr lang="en-US" altLang="ko-KR" err="1"/>
               <a:t>Phân</a:t>
             </a:r>
             <a:r>
-              <a:rPr lang="en-US" altLang="ko-KR" dirty="0"/>
+              <a:rPr lang="en-US" altLang="ko-KR"/>
               <a:t> </a:t>
             </a:r>
             <a:r>
-              <a:rPr lang="en-US" altLang="ko-KR" dirty="0" err="1"/>
+              <a:rPr lang="en-US" altLang="ko-KR" err="1"/>
               <a:t>tích</a:t>
             </a:r>
             <a:r>
-              <a:rPr lang="en-US" altLang="ko-KR" dirty="0"/>
+              <a:rPr lang="en-US" altLang="ko-KR"/>
               <a:t> </a:t>
             </a:r>
             <a:r>
-              <a:rPr lang="en-US" altLang="ko-KR" dirty="0" err="1"/>
+              <a:rPr lang="en-US" altLang="ko-KR" err="1"/>
               <a:t>hệ</a:t>
             </a:r>
             <a:r>
-              <a:rPr lang="en-US" altLang="ko-KR" dirty="0"/>
+              <a:rPr lang="en-US" altLang="ko-KR"/>
               <a:t> </a:t>
             </a:r>
             <a:r>
-              <a:rPr lang="en-US" altLang="ko-KR" dirty="0" err="1"/>
+              <a:rPr lang="en-US" altLang="ko-KR" err="1"/>
               <a:t>thống</a:t>
             </a:r>
-            <a:endParaRPr lang="ko-KR" altLang="en-US" dirty="0"/>
+            <a:endParaRPr lang="ko-KR" altLang="en-US"/>
           </a:p>
         </p:txBody>
       </p:sp>
       <p:pic>
         <p:nvPicPr>
-          <p:cNvPr id="4" name="Picture 3">
+          <p:cNvPr id="7" name="Picture 6" descr="Diagram&#10;&#10;Description automatically generated">
             <a:extLst>
               <a:ext uri="{FF2B5EF4-FFF2-40B4-BE49-F238E27FC236}">
-                <a16:creationId xmlns:a16="http://schemas.microsoft.com/office/drawing/2014/main" id="{AAB90F6F-38BE-460E-ABAF-D2A6C549E00B}"/>
+                <a16:creationId xmlns:a16="http://schemas.microsoft.com/office/drawing/2014/main" id="{91544BC1-306D-4784-A22A-B384109BC6F7}"/>
               </a:ext>
             </a:extLst>
           </p:cNvPr>
-          <p:cNvPicPr/>
+          <p:cNvPicPr>
+            <a:picLocks noChangeAspect="1"/>
+          </p:cNvPicPr>
           <p:nvPr/>
         </p:nvPicPr>
         <p:blipFill>
-          <a:blip r:embed="rId2" cstate="print">
+          <a:blip r:embed="rId3">
             <a:extLst>
               <a:ext uri="{28A0092B-C50C-407E-A947-70E740481C1C}">
                 <a14:useLocalDpi xmlns:a14="http://schemas.microsoft.com/office/drawing/2010/main" val="0"/>
               </a:ext>
             </a:extLst>
           </a:blip>
-          <a:srcRect/>
           <a:stretch>
             <a:fillRect/>
           </a:stretch>
         </p:blipFill>
-        <p:spPr bwMode="auto">
+        <p:spPr>
           <a:xfrm>
-            <a:off x="1691680" y="1059582"/>
-            <a:ext cx="5581650" cy="4262120"/>
+            <a:off x="1115616" y="1275606"/>
+            <a:ext cx="6725005" cy="3403198"/>
           </a:xfrm>
           <a:prstGeom prst="rect">
             <a:avLst/>
           </a:prstGeom>
-          <a:noFill/>
-          <a:ln>
-            <a:noFill/>
-          </a:ln>
         </p:spPr>
       </p:pic>
     </p:spTree>
@@ -8001,34 +8458,34 @@
           <a:lstStyle/>
           <a:p>
             <a:r>
-              <a:rPr lang="en-US" altLang="ko-KR" dirty="0" err="1"/>
+              <a:rPr lang="en-US" altLang="ko-KR" err="1"/>
               <a:t>Phân</a:t>
             </a:r>
             <a:r>
-              <a:rPr lang="en-US" altLang="ko-KR" dirty="0"/>
+              <a:rPr lang="en-US" altLang="ko-KR"/>
               <a:t> </a:t>
             </a:r>
             <a:r>
-              <a:rPr lang="en-US" altLang="ko-KR" dirty="0" err="1"/>
+              <a:rPr lang="en-US" altLang="ko-KR" err="1"/>
               <a:t>tích</a:t>
             </a:r>
             <a:r>
-              <a:rPr lang="en-US" altLang="ko-KR" dirty="0"/>
+              <a:rPr lang="en-US" altLang="ko-KR"/>
               <a:t> </a:t>
             </a:r>
             <a:r>
-              <a:rPr lang="en-US" altLang="ko-KR" dirty="0" err="1"/>
+              <a:rPr lang="en-US" altLang="ko-KR" err="1"/>
               <a:t>trò</a:t>
             </a:r>
             <a:r>
-              <a:rPr lang="en-US" altLang="ko-KR" dirty="0"/>
+              <a:rPr lang="en-US" altLang="ko-KR"/>
               <a:t> </a:t>
             </a:r>
             <a:r>
-              <a:rPr lang="en-US" altLang="ko-KR" dirty="0" err="1"/>
+              <a:rPr lang="en-US" altLang="ko-KR" err="1"/>
               <a:t>chơi</a:t>
             </a:r>
-            <a:endParaRPr lang="ko-KR" altLang="en-US" dirty="0"/>
+            <a:endParaRPr lang="ko-KR" altLang="en-US"/>
           </a:p>
         </p:txBody>
       </p:sp>
@@ -8078,10 +8535,10 @@
           <a:lstStyle/>
           <a:p>
             <a:r>
-              <a:rPr lang="en-US" altLang="ko-KR" dirty="0"/>
+              <a:rPr lang="en-US" altLang="ko-KR"/>
               <a:t>HƯỚNG MỞ RỘNG</a:t>
             </a:r>
-            <a:endParaRPr lang="ko-KR" altLang="en-US" dirty="0"/>
+            <a:endParaRPr lang="ko-KR" altLang="en-US"/>
           </a:p>
         </p:txBody>
       </p:sp>
@@ -8096,8 +8553,8 @@
         </p:nvCxnSpPr>
         <p:spPr>
           <a:xfrm flipV="1">
-            <a:off x="4619009" y="2928594"/>
-            <a:ext cx="1577239" cy="470078"/>
+            <a:off x="4562639" y="2928594"/>
+            <a:ext cx="1633609" cy="414530"/>
           </a:xfrm>
           <a:prstGeom prst="straightConnector1">
             <a:avLst/>
@@ -8138,8 +8595,8 @@
         </p:nvCxnSpPr>
         <p:spPr>
           <a:xfrm flipV="1">
-            <a:off x="4619009" y="3164370"/>
-            <a:ext cx="2570412" cy="234302"/>
+            <a:off x="4562639" y="3164370"/>
+            <a:ext cx="2626782" cy="178754"/>
           </a:xfrm>
           <a:prstGeom prst="straightConnector1">
             <a:avLst/>
@@ -8180,8 +8637,8 @@
         </p:nvCxnSpPr>
         <p:spPr>
           <a:xfrm>
-            <a:off x="4611694" y="3398672"/>
-            <a:ext cx="2812322" cy="494066"/>
+            <a:off x="4562639" y="3343124"/>
+            <a:ext cx="2861377" cy="549614"/>
           </a:xfrm>
           <a:prstGeom prst="straightConnector1">
             <a:avLst/>
@@ -8222,8 +8679,8 @@
         </p:nvCxnSpPr>
         <p:spPr>
           <a:xfrm>
-            <a:off x="4619009" y="3398672"/>
-            <a:ext cx="1887016" cy="953347"/>
+            <a:off x="4562639" y="3343124"/>
+            <a:ext cx="1943386" cy="1008895"/>
           </a:xfrm>
           <a:prstGeom prst="straightConnector1">
             <a:avLst/>
@@ -8675,7 +9132,7 @@
         </p:nvSpPr>
         <p:spPr>
           <a:xfrm>
-            <a:off x="7987631" y="3367108"/>
+            <a:off x="7987631" y="3308578"/>
             <a:ext cx="298446" cy="257555"/>
           </a:xfrm>
           <a:custGeom>
@@ -10827,10 +11284,10 @@
         </p:nvGrpSpPr>
         <p:grpSpPr>
           <a:xfrm>
-            <a:off x="7472438" y="3566133"/>
-            <a:ext cx="1319916" cy="878703"/>
-            <a:chOff x="3233964" y="1846698"/>
-            <a:chExt cx="1410044" cy="878703"/>
+            <a:off x="7481354" y="3605735"/>
+            <a:ext cx="1317928" cy="766037"/>
+            <a:chOff x="3226563" y="1954419"/>
+            <a:chExt cx="1407920" cy="766037"/>
           </a:xfrm>
         </p:grpSpPr>
         <p:sp>
@@ -10841,8 +11298,8 @@
           </p:nvSpPr>
           <p:spPr>
             <a:xfrm>
-              <a:off x="3233964" y="1846698"/>
-              <a:ext cx="1400519" cy="523220"/>
+              <a:off x="3233964" y="1954419"/>
+              <a:ext cx="1400519" cy="307777"/>
             </a:xfrm>
             <a:prstGeom prst="rect">
               <a:avLst/>
@@ -10857,42 +11314,15 @@
             <a:p>
               <a:pPr algn="ctr"/>
               <a:r>
-                <a:rPr lang="en-US" altLang="ko-KR" sz="1400" b="1" dirty="0" err="1">
+                <a:rPr lang="en-US" altLang="ko-KR" sz="1400" b="1">
                   <a:solidFill>
                     <a:schemeClr val="bg1"/>
                   </a:solidFill>
                   <a:cs typeface="Arial" pitchFamily="34" charset="0"/>
                 </a:rPr>
-                <a:t>Mở</a:t>
+                <a:t>Game mode</a:t>
               </a:r>
-              <a:r>
-                <a:rPr lang="en-US" altLang="ko-KR" sz="1400" b="1" dirty="0">
-                  <a:solidFill>
-                    <a:schemeClr val="bg1"/>
-                  </a:solidFill>
-                  <a:cs typeface="Arial" pitchFamily="34" charset="0"/>
-                </a:rPr>
-                <a:t> </a:t>
-              </a:r>
-              <a:r>
-                <a:rPr lang="en-US" altLang="ko-KR" sz="1400" b="1" dirty="0" err="1">
-                  <a:solidFill>
-                    <a:schemeClr val="bg1"/>
-                  </a:solidFill>
-                  <a:cs typeface="Arial" pitchFamily="34" charset="0"/>
-                </a:rPr>
-                <a:t>rộng</a:t>
-              </a:r>
-              <a:r>
-                <a:rPr lang="en-US" altLang="ko-KR" sz="1400" b="1" dirty="0">
-                  <a:solidFill>
-                    <a:schemeClr val="bg1"/>
-                  </a:solidFill>
-                  <a:cs typeface="Arial" pitchFamily="34" charset="0"/>
-                </a:rPr>
-                <a:t> DLC</a:t>
-              </a:r>
-              <a:endParaRPr lang="ko-KR" altLang="en-US" sz="1400" b="1" dirty="0">
+              <a:endParaRPr lang="ko-KR" altLang="en-US" sz="1400" b="1">
                 <a:solidFill>
                   <a:schemeClr val="bg1"/>
                 </a:solidFill>
@@ -10909,7 +11339,7 @@
           </p:nvSpPr>
           <p:spPr>
             <a:xfrm>
-              <a:off x="3243489" y="2263736"/>
+              <a:off x="3226563" y="2258791"/>
               <a:ext cx="1400519" cy="461665"/>
             </a:xfrm>
             <a:prstGeom prst="rect">
@@ -10925,69 +11355,15 @@
             <a:p>
               <a:pPr algn="ctr"/>
               <a:r>
-                <a:rPr lang="en-US" altLang="ko-KR" sz="1200" dirty="0" err="1">
+                <a:rPr lang="en-US" altLang="ko-KR" sz="1200">
                   <a:solidFill>
                     <a:schemeClr val="bg1"/>
                   </a:solidFill>
                   <a:cs typeface="Arial" pitchFamily="34" charset="0"/>
                 </a:rPr>
-                <a:t>Thiết</a:t>
+                <a:t>Thêm các chế độ chơi khác</a:t>
               </a:r>
-              <a:r>
-                <a:rPr lang="en-US" altLang="ko-KR" sz="1200" dirty="0">
-                  <a:solidFill>
-                    <a:schemeClr val="bg1"/>
-                  </a:solidFill>
-                  <a:cs typeface="Arial" pitchFamily="34" charset="0"/>
-                </a:rPr>
-                <a:t> </a:t>
-              </a:r>
-              <a:r>
-                <a:rPr lang="en-US" altLang="ko-KR" sz="1200" dirty="0" err="1">
-                  <a:solidFill>
-                    <a:schemeClr val="bg1"/>
-                  </a:solidFill>
-                  <a:cs typeface="Arial" pitchFamily="34" charset="0"/>
-                </a:rPr>
-                <a:t>kế</a:t>
-              </a:r>
-              <a:r>
-                <a:rPr lang="en-US" altLang="ko-KR" sz="1200" dirty="0">
-                  <a:solidFill>
-                    <a:schemeClr val="bg1"/>
-                  </a:solidFill>
-                  <a:cs typeface="Arial" pitchFamily="34" charset="0"/>
-                </a:rPr>
-                <a:t> </a:t>
-              </a:r>
-              <a:r>
-                <a:rPr lang="en-US" altLang="ko-KR" sz="1200" dirty="0" err="1">
-                  <a:solidFill>
-                    <a:schemeClr val="bg1"/>
-                  </a:solidFill>
-                  <a:cs typeface="Arial" pitchFamily="34" charset="0"/>
-                </a:rPr>
-                <a:t>màn</a:t>
-              </a:r>
-              <a:r>
-                <a:rPr lang="en-US" altLang="ko-KR" sz="1200" dirty="0">
-                  <a:solidFill>
-                    <a:schemeClr val="bg1"/>
-                  </a:solidFill>
-                  <a:cs typeface="Arial" pitchFamily="34" charset="0"/>
-                </a:rPr>
-                <a:t> </a:t>
-              </a:r>
-              <a:r>
-                <a:rPr lang="en-US" altLang="ko-KR" sz="1200" dirty="0" err="1">
-                  <a:solidFill>
-                    <a:schemeClr val="bg1"/>
-                  </a:solidFill>
-                  <a:cs typeface="Arial" pitchFamily="34" charset="0"/>
-                </a:rPr>
-                <a:t>chơi</a:t>
-              </a:r>
-              <a:endParaRPr lang="ko-KR" altLang="en-US" sz="1200" dirty="0">
+              <a:endParaRPr lang="ko-KR" altLang="en-US" sz="1200">
                 <a:solidFill>
                   <a:schemeClr val="bg1"/>
                 </a:solidFill>
@@ -11357,10 +11733,10 @@
         </p:nvGrpSpPr>
         <p:grpSpPr>
           <a:xfrm>
-            <a:off x="458002" y="3545760"/>
-            <a:ext cx="1319916" cy="878703"/>
-            <a:chOff x="414112" y="2934224"/>
-            <a:chExt cx="1319916" cy="878703"/>
+            <a:off x="430901" y="3627579"/>
+            <a:ext cx="1316971" cy="697429"/>
+            <a:chOff x="387011" y="3016043"/>
+            <a:chExt cx="1316971" cy="697429"/>
           </a:xfrm>
         </p:grpSpPr>
         <p:sp>
@@ -11371,8 +11747,8 @@
           </p:nvSpPr>
           <p:spPr>
             <a:xfrm>
-              <a:off x="414112" y="2934224"/>
-              <a:ext cx="1311000" cy="523220"/>
+              <a:off x="387011" y="3016043"/>
+              <a:ext cx="1311000" cy="307777"/>
             </a:xfrm>
             <a:prstGeom prst="rect">
               <a:avLst/>
@@ -11387,7 +11763,7 @@
             <a:p>
               <a:pPr algn="ctr"/>
               <a:r>
-                <a:rPr lang="en-US" altLang="ko-KR" sz="1400" b="1" dirty="0" err="1">
+                <a:rPr lang="en-US" altLang="ko-KR" sz="1400" b="1">
                   <a:solidFill>
                     <a:schemeClr val="tx1">
                       <a:lumMod val="75000"/>
@@ -11396,45 +11772,9 @@
                   </a:solidFill>
                   <a:cs typeface="Arial" pitchFamily="34" charset="0"/>
                 </a:rPr>
-                <a:t>Mở</a:t>
+                <a:t>Stories</a:t>
               </a:r>
-              <a:r>
-                <a:rPr lang="en-US" altLang="ko-KR" sz="1400" b="1" dirty="0">
-                  <a:solidFill>
-                    <a:schemeClr val="tx1">
-                      <a:lumMod val="75000"/>
-                      <a:lumOff val="25000"/>
-                    </a:schemeClr>
-                  </a:solidFill>
-                  <a:cs typeface="Arial" pitchFamily="34" charset="0"/>
-                </a:rPr>
-                <a:t> </a:t>
-              </a:r>
-              <a:r>
-                <a:rPr lang="en-US" altLang="ko-KR" sz="1400" b="1" dirty="0" err="1">
-                  <a:solidFill>
-                    <a:schemeClr val="tx1">
-                      <a:lumMod val="75000"/>
-                      <a:lumOff val="25000"/>
-                    </a:schemeClr>
-                  </a:solidFill>
-                  <a:cs typeface="Arial" pitchFamily="34" charset="0"/>
-                </a:rPr>
-                <a:t>rộng</a:t>
-              </a:r>
-              <a:r>
-                <a:rPr lang="en-US" altLang="ko-KR" sz="1400" b="1" dirty="0">
-                  <a:solidFill>
-                    <a:schemeClr val="tx1">
-                      <a:lumMod val="75000"/>
-                      <a:lumOff val="25000"/>
-                    </a:schemeClr>
-                  </a:solidFill>
-                  <a:cs typeface="Arial" pitchFamily="34" charset="0"/>
-                </a:rPr>
-                <a:t> game</a:t>
-              </a:r>
-              <a:endParaRPr lang="ko-KR" altLang="en-US" sz="1400" b="1" dirty="0">
+              <a:endParaRPr lang="ko-KR" altLang="en-US" sz="1400" b="1">
                 <a:solidFill>
                   <a:schemeClr val="tx1">
                     <a:lumMod val="75000"/>
@@ -11454,8 +11794,8 @@
           </p:nvSpPr>
           <p:spPr>
             <a:xfrm>
-              <a:off x="423028" y="3351262"/>
-              <a:ext cx="1311000" cy="461665"/>
+              <a:off x="435244" y="3251807"/>
+              <a:ext cx="1268738" cy="461665"/>
             </a:xfrm>
             <a:prstGeom prst="rect">
               <a:avLst/>
@@ -11470,7 +11810,7 @@
             <a:p>
               <a:pPr algn="ctr"/>
               <a:r>
-                <a:rPr lang="en-US" altLang="ko-KR" sz="1200" dirty="0" err="1">
+                <a:rPr lang="en-US" altLang="ko-KR" sz="1200" err="1">
                   <a:solidFill>
                     <a:schemeClr val="tx1">
                       <a:lumMod val="75000"/>
@@ -11482,7 +11822,7 @@
                 <a:t>Hệ</a:t>
               </a:r>
               <a:r>
-                <a:rPr lang="en-US" altLang="ko-KR" sz="1200" dirty="0">
+                <a:rPr lang="en-US" altLang="ko-KR" sz="1200">
                   <a:solidFill>
                     <a:schemeClr val="tx1">
                       <a:lumMod val="75000"/>
@@ -11494,7 +11834,7 @@
                 <a:t> </a:t>
               </a:r>
               <a:r>
-                <a:rPr lang="en-US" altLang="ko-KR" sz="1200" dirty="0" err="1">
+                <a:rPr lang="en-US" altLang="ko-KR" sz="1200" err="1">
                   <a:solidFill>
                     <a:schemeClr val="tx1">
                       <a:lumMod val="75000"/>
@@ -11506,7 +11846,7 @@
                 <a:t>thống</a:t>
               </a:r>
               <a:r>
-                <a:rPr lang="en-US" altLang="ko-KR" sz="1200" dirty="0">
+                <a:rPr lang="en-US" altLang="ko-KR" sz="1200">
                   <a:solidFill>
                     <a:schemeClr val="tx1">
                       <a:lumMod val="75000"/>
@@ -11518,7 +11858,7 @@
                 <a:t> </a:t>
               </a:r>
               <a:r>
-                <a:rPr lang="en-US" altLang="ko-KR" sz="1200" dirty="0" err="1">
+                <a:rPr lang="en-US" altLang="ko-KR" sz="1200" err="1">
                   <a:solidFill>
                     <a:schemeClr val="tx1">
                       <a:lumMod val="75000"/>
@@ -11530,7 +11870,7 @@
                 <a:t>cốt</a:t>
               </a:r>
               <a:r>
-                <a:rPr lang="en-US" altLang="ko-KR" sz="1200" dirty="0">
+                <a:rPr lang="en-US" altLang="ko-KR" sz="1200">
                   <a:solidFill>
                     <a:schemeClr val="tx1">
                       <a:lumMod val="75000"/>
@@ -11539,21 +11879,9 @@
                   </a:solidFill>
                   <a:cs typeface="Arial" pitchFamily="34" charset="0"/>
                 </a:rPr>
-                <a:t> </a:t>
+                <a:t> truyện nhân vật</a:t>
               </a:r>
-              <a:r>
-                <a:rPr lang="en-US" altLang="ko-KR" sz="1200" dirty="0" err="1">
-                  <a:solidFill>
-                    <a:schemeClr val="tx1">
-                      <a:lumMod val="75000"/>
-                      <a:lumOff val="25000"/>
-                    </a:schemeClr>
-                  </a:solidFill>
-                  <a:cs typeface="Arial" pitchFamily="34" charset="0"/>
-                </a:rPr>
-                <a:t>truyện</a:t>
-              </a:r>
-              <a:endParaRPr lang="ko-KR" altLang="en-US" sz="1200" dirty="0">
+              <a:endParaRPr lang="ko-KR" altLang="en-US" sz="1200">
                 <a:solidFill>
                   <a:schemeClr val="tx1">
                     <a:lumMod val="75000"/>
@@ -12017,7 +12345,7 @@
         </p:nvSpPr>
         <p:spPr>
           <a:xfrm>
-            <a:off x="896842" y="3359285"/>
+            <a:off x="887792" y="3308578"/>
             <a:ext cx="451151" cy="265378"/>
           </a:xfrm>
           <a:custGeom>
@@ -14002,7 +14330,7 @@
         </p:nvSpPr>
         <p:spPr>
           <a:xfrm>
-            <a:off x="4316847" y="2850444"/>
+            <a:off x="4344785" y="2759401"/>
             <a:ext cx="517795" cy="522120"/>
           </a:xfrm>
           <a:custGeom>
@@ -14271,10 +14599,10 @@
         </p:nvGrpSpPr>
         <p:grpSpPr>
           <a:xfrm>
-            <a:off x="3930143" y="3398672"/>
-            <a:ext cx="1364351" cy="716474"/>
+            <a:off x="3767643" y="3343124"/>
+            <a:ext cx="1591448" cy="993473"/>
             <a:chOff x="-475010" y="1084917"/>
-            <a:chExt cx="3085230" cy="716474"/>
+            <a:chExt cx="3085230" cy="993473"/>
           </a:xfrm>
         </p:grpSpPr>
         <p:sp>
@@ -14301,15 +14629,15 @@
             <a:p>
               <a:pPr algn="ctr"/>
               <a:r>
-                <a:rPr lang="en-US" altLang="ko-KR" sz="1400" b="1" dirty="0">
+                <a:rPr lang="en-US" altLang="ko-KR" sz="1400" b="1">
                   <a:solidFill>
                     <a:schemeClr val="bg1"/>
                   </a:solidFill>
                   <a:cs typeface="Arial" pitchFamily="34" charset="0"/>
                 </a:rPr>
-                <a:t>02 HƯỚNG</a:t>
+                <a:t>Shop - IAP</a:t>
               </a:r>
-              <a:endParaRPr lang="ko-KR" altLang="en-US" sz="1400" b="1" dirty="0">
+              <a:endParaRPr lang="ko-KR" altLang="en-US" sz="1400" b="1">
                 <a:solidFill>
                   <a:schemeClr val="bg1"/>
                 </a:solidFill>
@@ -14326,8 +14654,8 @@
           </p:nvSpPr>
           <p:spPr>
             <a:xfrm>
-              <a:off x="-460976" y="1524392"/>
-              <a:ext cx="3071196" cy="276999"/>
+              <a:off x="-460976" y="1247393"/>
+              <a:ext cx="3071196" cy="830997"/>
             </a:xfrm>
             <a:prstGeom prst="rect">
               <a:avLst/>
@@ -14341,7 +14669,214 @@
             <a:lstStyle/>
             <a:p>
               <a:pPr algn="ctr"/>
-              <a:endParaRPr lang="ko-KR" altLang="en-US" sz="1200" dirty="0">
+              <a:r>
+                <a:rPr lang="en-US" altLang="ko-KR" sz="1200" err="1">
+                  <a:solidFill>
+                    <a:schemeClr val="bg1"/>
+                  </a:solidFill>
+                  <a:cs typeface="Arial" pitchFamily="34" charset="0"/>
+                </a:rPr>
+                <a:t>Thêm</a:t>
+              </a:r>
+              <a:r>
+                <a:rPr lang="en-US" altLang="ko-KR" sz="1200">
+                  <a:solidFill>
+                    <a:schemeClr val="bg1"/>
+                  </a:solidFill>
+                  <a:cs typeface="Arial" pitchFamily="34" charset="0"/>
+                </a:rPr>
+                <a:t> </a:t>
+              </a:r>
+              <a:r>
+                <a:rPr lang="en-US" altLang="ko-KR" sz="1200" err="1">
+                  <a:solidFill>
+                    <a:schemeClr val="bg1"/>
+                  </a:solidFill>
+                  <a:cs typeface="Arial" pitchFamily="34" charset="0"/>
+                </a:rPr>
+                <a:t>các</a:t>
+              </a:r>
+              <a:r>
+                <a:rPr lang="en-US" altLang="ko-KR" sz="1200">
+                  <a:solidFill>
+                    <a:schemeClr val="bg1"/>
+                  </a:solidFill>
+                  <a:cs typeface="Arial" pitchFamily="34" charset="0"/>
+                </a:rPr>
+                <a:t> </a:t>
+              </a:r>
+              <a:r>
+                <a:rPr lang="en-US" altLang="ko-KR" sz="1200" err="1">
+                  <a:solidFill>
+                    <a:schemeClr val="bg1"/>
+                  </a:solidFill>
+                  <a:cs typeface="Arial" pitchFamily="34" charset="0"/>
+                </a:rPr>
+                <a:t>đơn</a:t>
+              </a:r>
+              <a:r>
+                <a:rPr lang="en-US" altLang="ko-KR" sz="1200">
+                  <a:solidFill>
+                    <a:schemeClr val="bg1"/>
+                  </a:solidFill>
+                  <a:cs typeface="Arial" pitchFamily="34" charset="0"/>
+                </a:rPr>
+                <a:t> </a:t>
+              </a:r>
+              <a:r>
+                <a:rPr lang="en-US" altLang="ko-KR" sz="1200" err="1">
+                  <a:solidFill>
+                    <a:schemeClr val="bg1"/>
+                  </a:solidFill>
+                  <a:cs typeface="Arial" pitchFamily="34" charset="0"/>
+                </a:rPr>
+                <a:t>vị</a:t>
+              </a:r>
+              <a:r>
+                <a:rPr lang="en-US" altLang="ko-KR" sz="1200">
+                  <a:solidFill>
+                    <a:schemeClr val="bg1"/>
+                  </a:solidFill>
+                  <a:cs typeface="Arial" pitchFamily="34" charset="0"/>
+                </a:rPr>
+                <a:t> </a:t>
+              </a:r>
+              <a:r>
+                <a:rPr lang="en-US" altLang="ko-KR" sz="1200" err="1">
+                  <a:solidFill>
+                    <a:schemeClr val="bg1"/>
+                  </a:solidFill>
+                  <a:cs typeface="Arial" pitchFamily="34" charset="0"/>
+                </a:rPr>
+                <a:t>tiền</a:t>
+              </a:r>
+              <a:r>
+                <a:rPr lang="en-US" altLang="ko-KR" sz="1200">
+                  <a:solidFill>
+                    <a:schemeClr val="bg1"/>
+                  </a:solidFill>
+                  <a:cs typeface="Arial" pitchFamily="34" charset="0"/>
+                </a:rPr>
+                <a:t> </a:t>
+              </a:r>
+              <a:r>
+                <a:rPr lang="en-US" altLang="ko-KR" sz="1200" err="1">
+                  <a:solidFill>
+                    <a:schemeClr val="bg1"/>
+                  </a:solidFill>
+                  <a:cs typeface="Arial" pitchFamily="34" charset="0"/>
+                </a:rPr>
+                <a:t>tệ</a:t>
+              </a:r>
+              <a:r>
+                <a:rPr lang="en-US" altLang="ko-KR" sz="1200">
+                  <a:solidFill>
+                    <a:schemeClr val="bg1"/>
+                  </a:solidFill>
+                  <a:cs typeface="Arial" pitchFamily="34" charset="0"/>
+                </a:rPr>
+                <a:t> </a:t>
+              </a:r>
+              <a:r>
+                <a:rPr lang="en-US" altLang="ko-KR" sz="1200" err="1">
+                  <a:solidFill>
+                    <a:schemeClr val="bg1"/>
+                  </a:solidFill>
+                  <a:cs typeface="Arial" pitchFamily="34" charset="0"/>
+                </a:rPr>
+                <a:t>và</a:t>
+              </a:r>
+              <a:r>
+                <a:rPr lang="en-US" altLang="ko-KR" sz="1200">
+                  <a:solidFill>
+                    <a:schemeClr val="bg1"/>
+                  </a:solidFill>
+                  <a:cs typeface="Arial" pitchFamily="34" charset="0"/>
+                </a:rPr>
+                <a:t> </a:t>
+              </a:r>
+              <a:r>
+                <a:rPr lang="en-US" altLang="ko-KR" sz="1200" err="1">
+                  <a:solidFill>
+                    <a:schemeClr val="bg1"/>
+                  </a:solidFill>
+                  <a:cs typeface="Arial" pitchFamily="34" charset="0"/>
+                </a:rPr>
+                <a:t>các</a:t>
+              </a:r>
+              <a:r>
+                <a:rPr lang="en-US" altLang="ko-KR" sz="1200">
+                  <a:solidFill>
+                    <a:schemeClr val="bg1"/>
+                  </a:solidFill>
+                  <a:cs typeface="Arial" pitchFamily="34" charset="0"/>
+                </a:rPr>
+                <a:t> </a:t>
+              </a:r>
+              <a:r>
+                <a:rPr lang="en-US" altLang="ko-KR" sz="1200" err="1">
+                  <a:solidFill>
+                    <a:schemeClr val="bg1"/>
+                  </a:solidFill>
+                  <a:cs typeface="Arial" pitchFamily="34" charset="0"/>
+                </a:rPr>
+                <a:t>tính</a:t>
+              </a:r>
+              <a:r>
+                <a:rPr lang="en-US" altLang="ko-KR" sz="1200">
+                  <a:solidFill>
+                    <a:schemeClr val="bg1"/>
+                  </a:solidFill>
+                  <a:cs typeface="Arial" pitchFamily="34" charset="0"/>
+                </a:rPr>
+                <a:t> </a:t>
+              </a:r>
+              <a:r>
+                <a:rPr lang="en-US" altLang="ko-KR" sz="1200" err="1">
+                  <a:solidFill>
+                    <a:schemeClr val="bg1"/>
+                  </a:solidFill>
+                  <a:cs typeface="Arial" pitchFamily="34" charset="0"/>
+                </a:rPr>
+                <a:t>năng</a:t>
+              </a:r>
+              <a:r>
+                <a:rPr lang="en-US" altLang="ko-KR" sz="1200">
+                  <a:solidFill>
+                    <a:schemeClr val="bg1"/>
+                  </a:solidFill>
+                  <a:cs typeface="Arial" pitchFamily="34" charset="0"/>
+                </a:rPr>
+                <a:t> </a:t>
+              </a:r>
+              <a:r>
+                <a:rPr lang="en-US" altLang="ko-KR" sz="1200" err="1">
+                  <a:solidFill>
+                    <a:schemeClr val="bg1"/>
+                  </a:solidFill>
+                  <a:cs typeface="Arial" pitchFamily="34" charset="0"/>
+                </a:rPr>
+                <a:t>liên</a:t>
+              </a:r>
+              <a:r>
+                <a:rPr lang="en-US" altLang="ko-KR" sz="1200">
+                  <a:solidFill>
+                    <a:schemeClr val="bg1"/>
+                  </a:solidFill>
+                  <a:cs typeface="Arial" pitchFamily="34" charset="0"/>
+                </a:rPr>
+                <a:t> </a:t>
+              </a:r>
+              <a:r>
+                <a:rPr lang="en-US" altLang="ko-KR" sz="1200" err="1">
+                  <a:solidFill>
+                    <a:schemeClr val="bg1"/>
+                  </a:solidFill>
+                  <a:cs typeface="Arial" pitchFamily="34" charset="0"/>
+                </a:rPr>
+                <a:t>quan</a:t>
+              </a:r>
+              <a:endParaRPr lang="ko-KR" altLang="en-US" sz="1200">
                 <a:solidFill>
                   <a:schemeClr val="bg1"/>
                 </a:solidFill>
@@ -14397,10 +14932,10 @@
           <a:lstStyle/>
           <a:p>
             <a:r>
-              <a:rPr lang="en-US" altLang="ko-KR" dirty="0"/>
+              <a:rPr lang="en-US" altLang="ko-KR"/>
               <a:t>Q &amp; A</a:t>
             </a:r>
-            <a:endParaRPr lang="ko-KR" altLang="en-US" dirty="0"/>
+            <a:endParaRPr lang="ko-KR" altLang="en-US"/>
           </a:p>
         </p:txBody>
       </p:sp>
@@ -14460,7 +14995,7 @@
             <a:lstStyle/>
             <a:p>
               <a:pPr algn="ctr"/>
-              <a:endParaRPr lang="ko-KR" altLang="en-US" dirty="0"/>
+              <a:endParaRPr lang="ko-KR" altLang="en-US"/>
             </a:p>
           </p:txBody>
         </p:sp>
@@ -14613,7 +15148,7 @@
             <a:lstStyle/>
             <a:p>
               <a:pPr algn="ctr"/>
-              <a:endParaRPr lang="ko-KR" altLang="en-US" dirty="0"/>
+              <a:endParaRPr lang="ko-KR" altLang="en-US"/>
             </a:p>
           </p:txBody>
         </p:sp>
@@ -14783,7 +15318,7 @@
             <a:lstStyle/>
             <a:p>
               <a:pPr algn="ctr"/>
-              <a:endParaRPr lang="ko-KR" altLang="en-US" dirty="0"/>
+              <a:endParaRPr lang="ko-KR" altLang="en-US"/>
             </a:p>
           </p:txBody>
         </p:sp>
@@ -15082,7 +15617,7 @@
           <a:p>
             <a:pPr algn="r"/>
             <a:r>
-              <a:rPr lang="en-US" altLang="ko-KR" sz="2000" b="1" dirty="0" err="1">
+              <a:rPr lang="en-US" altLang="ko-KR" sz="2000" b="1" err="1">
                 <a:solidFill>
                   <a:schemeClr val="tx1">
                     <a:lumMod val="75000"/>
@@ -15094,7 +15629,7 @@
               <a:t>Các</a:t>
             </a:r>
             <a:r>
-              <a:rPr lang="en-US" altLang="ko-KR" sz="2000" b="1" dirty="0">
+              <a:rPr lang="en-US" altLang="ko-KR" sz="2000" b="1">
                 <a:solidFill>
                   <a:schemeClr val="tx1">
                     <a:lumMod val="75000"/>
@@ -15106,7 +15641,7 @@
               <a:t> </a:t>
             </a:r>
             <a:r>
-              <a:rPr lang="en-US" altLang="ko-KR" sz="2000" b="1" dirty="0" err="1">
+              <a:rPr lang="en-US" altLang="ko-KR" sz="2000" b="1" err="1">
                 <a:solidFill>
                   <a:schemeClr val="tx1">
                     <a:lumMod val="75000"/>
@@ -15118,7 +15653,7 @@
               <a:t>khó</a:t>
             </a:r>
             <a:r>
-              <a:rPr lang="en-US" altLang="ko-KR" sz="2000" b="1" dirty="0">
+              <a:rPr lang="en-US" altLang="ko-KR" sz="2000" b="1">
                 <a:solidFill>
                   <a:schemeClr val="tx1">
                     <a:lumMod val="75000"/>
@@ -15130,7 +15665,7 @@
               <a:t> </a:t>
             </a:r>
             <a:r>
-              <a:rPr lang="en-US" altLang="ko-KR" sz="2000" b="1" dirty="0" err="1">
+              <a:rPr lang="en-US" altLang="ko-KR" sz="2000" b="1" err="1">
                 <a:solidFill>
                   <a:schemeClr val="tx1">
                     <a:lumMod val="75000"/>
@@ -15141,7 +15676,7 @@
               </a:rPr>
               <a:t>khăn</a:t>
             </a:r>
-            <a:endParaRPr lang="ko-KR" altLang="en-US" sz="2000" b="1" dirty="0">
+            <a:endParaRPr lang="ko-KR" altLang="en-US" sz="2000" b="1">
               <a:solidFill>
                 <a:schemeClr val="tx1">
                   <a:lumMod val="75000"/>
@@ -15177,7 +15712,7 @@
           <a:p>
             <a:pPr algn="r"/>
             <a:r>
-              <a:rPr lang="en-US" altLang="ko-KR" sz="2000" b="1" dirty="0" err="1">
+              <a:rPr lang="en-US" altLang="ko-KR" sz="2000" b="1" err="1">
                 <a:solidFill>
                   <a:schemeClr val="tx1">
                     <a:lumMod val="75000"/>
@@ -15189,7 +15724,7 @@
               <a:t>Kinh</a:t>
             </a:r>
             <a:r>
-              <a:rPr lang="en-US" altLang="ko-KR" sz="2000" b="1" dirty="0">
+              <a:rPr lang="en-US" altLang="ko-KR" sz="2000" b="1">
                 <a:solidFill>
                   <a:schemeClr val="tx1">
                     <a:lumMod val="75000"/>
@@ -15201,7 +15736,7 @@
               <a:t> </a:t>
             </a:r>
             <a:r>
-              <a:rPr lang="en-US" altLang="ko-KR" sz="2000" b="1" dirty="0" err="1">
+              <a:rPr lang="en-US" altLang="ko-KR" sz="2000" b="1" err="1">
                 <a:solidFill>
                   <a:schemeClr val="tx1">
                     <a:lumMod val="75000"/>
@@ -15213,7 +15748,7 @@
               <a:t>nghiệm</a:t>
             </a:r>
             <a:r>
-              <a:rPr lang="en-US" altLang="ko-KR" sz="2000" b="1" dirty="0">
+              <a:rPr lang="en-US" altLang="ko-KR" sz="2000" b="1">
                 <a:solidFill>
                   <a:schemeClr val="tx1">
                     <a:lumMod val="75000"/>
@@ -15225,7 +15760,7 @@
               <a:t> </a:t>
             </a:r>
             <a:r>
-              <a:rPr lang="en-US" altLang="ko-KR" sz="2000" b="1" dirty="0" err="1">
+              <a:rPr lang="en-US" altLang="ko-KR" sz="2000" b="1" err="1">
                 <a:solidFill>
                   <a:schemeClr val="tx1">
                     <a:lumMod val="75000"/>
@@ -15237,7 +15772,7 @@
               <a:t>rút</a:t>
             </a:r>
             <a:r>
-              <a:rPr lang="en-US" altLang="ko-KR" sz="2000" b="1" dirty="0">
+              <a:rPr lang="en-US" altLang="ko-KR" sz="2000" b="1">
                 <a:solidFill>
                   <a:schemeClr val="tx1">
                     <a:lumMod val="75000"/>
@@ -15248,7 +15783,7 @@
               </a:rPr>
               <a:t> ra</a:t>
             </a:r>
-            <a:endParaRPr lang="ko-KR" altLang="en-US" sz="2000" b="1" dirty="0">
+            <a:endParaRPr lang="ko-KR" altLang="en-US" sz="2000" b="1">
               <a:solidFill>
                 <a:schemeClr val="tx1">
                   <a:lumMod val="75000"/>
@@ -15283,7 +15818,7 @@
           <a:lstStyle/>
           <a:p>
             <a:r>
-              <a:rPr lang="en-US" altLang="ko-KR" sz="2000" b="1" dirty="0" err="1">
+              <a:rPr lang="en-US" altLang="ko-KR" sz="2000" b="1" err="1">
                 <a:solidFill>
                   <a:schemeClr val="tx1">
                     <a:lumMod val="75000"/>
@@ -15295,7 +15830,7 @@
               <a:t>Công</a:t>
             </a:r>
             <a:r>
-              <a:rPr lang="en-US" altLang="ko-KR" sz="2000" b="1" dirty="0">
+              <a:rPr lang="en-US" altLang="ko-KR" sz="2000" b="1">
                 <a:solidFill>
                   <a:schemeClr val="tx1">
                     <a:lumMod val="75000"/>
@@ -15307,7 +15842,7 @@
               <a:t> </a:t>
             </a:r>
             <a:r>
-              <a:rPr lang="en-US" altLang="ko-KR" sz="2000" b="1" dirty="0" err="1">
+              <a:rPr lang="en-US" altLang="ko-KR" sz="2000" b="1" err="1">
                 <a:solidFill>
                   <a:schemeClr val="tx1">
                     <a:lumMod val="75000"/>
@@ -15319,7 +15854,7 @@
               <a:t>nghệ</a:t>
             </a:r>
             <a:r>
-              <a:rPr lang="en-US" altLang="ko-KR" sz="2000" b="1" dirty="0">
+              <a:rPr lang="en-US" altLang="ko-KR" sz="2000" b="1">
                 <a:solidFill>
                   <a:schemeClr val="tx1">
                     <a:lumMod val="75000"/>
@@ -15331,7 +15866,7 @@
               <a:t> </a:t>
             </a:r>
             <a:r>
-              <a:rPr lang="en-US" altLang="ko-KR" sz="2000" b="1" dirty="0" err="1">
+              <a:rPr lang="en-US" altLang="ko-KR" sz="2000" b="1" err="1">
                 <a:solidFill>
                   <a:schemeClr val="tx1">
                     <a:lumMod val="75000"/>
@@ -15343,7 +15878,7 @@
               <a:t>sử</a:t>
             </a:r>
             <a:r>
-              <a:rPr lang="en-US" altLang="ko-KR" sz="2000" b="1" dirty="0">
+              <a:rPr lang="en-US" altLang="ko-KR" sz="2000" b="1">
                 <a:solidFill>
                   <a:schemeClr val="tx1">
                     <a:lumMod val="75000"/>
@@ -15355,7 +15890,7 @@
               <a:t> </a:t>
             </a:r>
             <a:r>
-              <a:rPr lang="en-US" altLang="ko-KR" sz="2000" b="1" dirty="0" err="1">
+              <a:rPr lang="en-US" altLang="ko-KR" sz="2000" b="1" err="1">
                 <a:solidFill>
                   <a:schemeClr val="tx1">
                     <a:lumMod val="75000"/>
@@ -15366,7 +15901,7 @@
               </a:rPr>
               <a:t>dụng</a:t>
             </a:r>
-            <a:endParaRPr lang="ko-KR" altLang="en-US" sz="2000" b="1" dirty="0">
+            <a:endParaRPr lang="ko-KR" altLang="en-US" sz="2000" b="1">
               <a:solidFill>
                 <a:schemeClr val="tx1">
                   <a:lumMod val="75000"/>
@@ -15401,7 +15936,7 @@
           <a:lstStyle/>
           <a:p>
             <a:r>
-              <a:rPr lang="en-US" altLang="ko-KR" sz="2000" b="1" dirty="0" err="1">
+              <a:rPr lang="en-US" altLang="ko-KR" sz="2000" b="1" err="1">
                 <a:solidFill>
                   <a:schemeClr val="tx1">
                     <a:lumMod val="75000"/>
@@ -15413,7 +15948,7 @@
               <a:t>Hướng</a:t>
             </a:r>
             <a:r>
-              <a:rPr lang="en-US" altLang="ko-KR" sz="2000" b="1" dirty="0">
+              <a:rPr lang="en-US" altLang="ko-KR" sz="2000" b="1">
                 <a:solidFill>
                   <a:schemeClr val="tx1">
                     <a:lumMod val="75000"/>
@@ -15425,7 +15960,7 @@
               <a:t> </a:t>
             </a:r>
             <a:r>
-              <a:rPr lang="en-US" altLang="ko-KR" sz="2000" b="1" dirty="0" err="1">
+              <a:rPr lang="en-US" altLang="ko-KR" sz="2000" b="1" err="1">
                 <a:solidFill>
                   <a:schemeClr val="tx1">
                     <a:lumMod val="75000"/>
@@ -15437,7 +15972,7 @@
               <a:t>phát</a:t>
             </a:r>
             <a:r>
-              <a:rPr lang="en-US" altLang="ko-KR" sz="2000" b="1" dirty="0">
+              <a:rPr lang="en-US" altLang="ko-KR" sz="2000" b="1">
                 <a:solidFill>
                   <a:schemeClr val="tx1">
                     <a:lumMod val="75000"/>
@@ -15449,7 +15984,7 @@
               <a:t> </a:t>
             </a:r>
             <a:r>
-              <a:rPr lang="en-US" altLang="ko-KR" sz="2000" b="1" dirty="0" err="1">
+              <a:rPr lang="en-US" altLang="ko-KR" sz="2000" b="1" err="1">
                 <a:solidFill>
                   <a:schemeClr val="tx1">
                     <a:lumMod val="75000"/>
@@ -15460,7 +15995,7 @@
               </a:rPr>
               <a:t>triển</a:t>
             </a:r>
-            <a:endParaRPr lang="ko-KR" altLang="en-US" sz="2000" b="1" dirty="0">
+            <a:endParaRPr lang="ko-KR" altLang="en-US" sz="2000" b="1">
               <a:solidFill>
                 <a:schemeClr val="tx1">
                   <a:lumMod val="75000"/>
@@ -18402,7 +18937,7 @@
           <a:lstStyle/>
           <a:p>
             <a:r>
-              <a:rPr lang="en-US" altLang="ko-KR" sz="2000" b="1" dirty="0" err="1">
+              <a:rPr lang="en-US" altLang="ko-KR" sz="2000" b="1" err="1">
                 <a:solidFill>
                   <a:schemeClr val="tx1">
                     <a:lumMod val="75000"/>
@@ -18414,7 +18949,7 @@
               <a:t>Quá</a:t>
             </a:r>
             <a:r>
-              <a:rPr lang="en-US" altLang="ko-KR" sz="2000" b="1" dirty="0">
+              <a:rPr lang="en-US" altLang="ko-KR" sz="2000" b="1">
                 <a:solidFill>
                   <a:schemeClr val="tx1">
                     <a:lumMod val="75000"/>
@@ -18426,7 +18961,7 @@
               <a:t>  </a:t>
             </a:r>
             <a:r>
-              <a:rPr lang="en-US" altLang="ko-KR" sz="2000" b="1" dirty="0" err="1">
+              <a:rPr lang="en-US" altLang="ko-KR" sz="2000" b="1" err="1">
                 <a:solidFill>
                   <a:schemeClr val="tx1">
                     <a:lumMod val="75000"/>
@@ -18438,7 +18973,7 @@
               <a:t>trình</a:t>
             </a:r>
             <a:r>
-              <a:rPr lang="en-US" altLang="ko-KR" sz="2000" b="1" dirty="0">
+              <a:rPr lang="en-US" altLang="ko-KR" sz="2000" b="1">
                 <a:solidFill>
                   <a:schemeClr val="tx1">
                     <a:lumMod val="75000"/>
@@ -18450,7 +18985,7 @@
               <a:t> </a:t>
             </a:r>
             <a:r>
-              <a:rPr lang="en-US" altLang="ko-KR" sz="2000" b="1" dirty="0" err="1">
+              <a:rPr lang="en-US" altLang="ko-KR" sz="2000" b="1" err="1">
                 <a:solidFill>
                   <a:schemeClr val="tx1">
                     <a:lumMod val="75000"/>
@@ -18462,7 +18997,7 @@
               <a:t>làm</a:t>
             </a:r>
             <a:r>
-              <a:rPr lang="en-US" altLang="ko-KR" sz="2000" b="1" dirty="0">
+              <a:rPr lang="en-US" altLang="ko-KR" sz="2000" b="1">
                 <a:solidFill>
                   <a:schemeClr val="tx1">
                     <a:lumMod val="75000"/>
@@ -18473,7 +19008,7 @@
               </a:rPr>
               <a:t>  game</a:t>
             </a:r>
-            <a:endParaRPr lang="ko-KR" altLang="en-US" sz="2000" b="1" dirty="0">
+            <a:endParaRPr lang="ko-KR" altLang="en-US" sz="2000" b="1">
               <a:solidFill>
                 <a:schemeClr val="tx1">
                   <a:lumMod val="75000"/>
@@ -18531,10 +19066,10 @@
           <a:lstStyle/>
           <a:p>
             <a:r>
-              <a:rPr lang="en-US" altLang="ko-KR" dirty="0"/>
+              <a:rPr lang="en-US" altLang="ko-KR"/>
               <a:t>Thank you</a:t>
             </a:r>
-            <a:endParaRPr lang="ko-KR" altLang="en-US" dirty="0"/>
+            <a:endParaRPr lang="ko-KR" altLang="en-US"/>
           </a:p>
         </p:txBody>
       </p:sp>
@@ -19224,4 +19759,299 @@
   <a:objectDefaults/>
   <a:extraClrSchemeLst/>
 </a:theme>
+</file>
+
+<file path=ppt/theme/theme4.xml><?xml version="1.0" encoding="utf-8"?>
+<a:theme xmlns:a="http://schemas.openxmlformats.org/drawingml/2006/main" name="Office Theme">
+  <a:themeElements>
+    <a:clrScheme name="Office">
+      <a:dk1>
+        <a:sysClr val="windowText" lastClr="000000"/>
+      </a:dk1>
+      <a:lt1>
+        <a:sysClr val="window" lastClr="FFFFFF"/>
+      </a:lt1>
+      <a:dk2>
+        <a:srgbClr val="44546A"/>
+      </a:dk2>
+      <a:lt2>
+        <a:srgbClr val="E7E6E6"/>
+      </a:lt2>
+      <a:accent1>
+        <a:srgbClr val="4472C4"/>
+      </a:accent1>
+      <a:accent2>
+        <a:srgbClr val="ED7D31"/>
+      </a:accent2>
+      <a:accent3>
+        <a:srgbClr val="A5A5A5"/>
+      </a:accent3>
+      <a:accent4>
+        <a:srgbClr val="FFC000"/>
+      </a:accent4>
+      <a:accent5>
+        <a:srgbClr val="5B9BD5"/>
+      </a:accent5>
+      <a:accent6>
+        <a:srgbClr val="70AD47"/>
+      </a:accent6>
+      <a:hlink>
+        <a:srgbClr val="0563C1"/>
+      </a:hlink>
+      <a:folHlink>
+        <a:srgbClr val="954F72"/>
+      </a:folHlink>
+    </a:clrScheme>
+    <a:fontScheme name="Office">
+      <a:majorFont>
+        <a:latin typeface="Calibri Light" panose="020F0302020204030204"/>
+        <a:ea typeface=""/>
+        <a:cs typeface=""/>
+        <a:font script="Jpan" typeface="游ゴシック Light"/>
+        <a:font script="Hang" typeface="맑은 고딕"/>
+        <a:font script="Hans" typeface="等线 Light"/>
+        <a:font script="Hant" typeface="新細明體"/>
+        <a:font script="Arab" typeface="Times New Roman"/>
+        <a:font script="Hebr" typeface="Times New Roman"/>
+        <a:font script="Thai" typeface="Angsana New"/>
+        <a:font script="Ethi" typeface="Nyala"/>
+        <a:font script="Beng" typeface="Vrinda"/>
+        <a:font script="Gujr" typeface="Shruti"/>
+        <a:font script="Khmr" typeface="MoolBoran"/>
+        <a:font script="Knda" typeface="Tunga"/>
+        <a:font script="Guru" typeface="Raavi"/>
+        <a:font script="Cans" typeface="Euphemia"/>
+        <a:font script="Cher" typeface="Plantagenet Cherokee"/>
+        <a:font script="Yiii" typeface="Microsoft Yi Baiti"/>
+        <a:font script="Tibt" typeface="Microsoft Himalaya"/>
+        <a:font script="Thaa" typeface="MV Boli"/>
+        <a:font script="Deva" typeface="Mangal"/>
+        <a:font script="Telu" typeface="Gautami"/>
+        <a:font script="Taml" typeface="Latha"/>
+        <a:font script="Syrc" typeface="Estrangelo Edessa"/>
+        <a:font script="Orya" typeface="Kalinga"/>
+        <a:font script="Mlym" typeface="Kartika"/>
+        <a:font script="Laoo" typeface="DokChampa"/>
+        <a:font script="Sinh" typeface="Iskoola Pota"/>
+        <a:font script="Mong" typeface="Mongolian Baiti"/>
+        <a:font script="Viet" typeface="Times New Roman"/>
+        <a:font script="Uigh" typeface="Microsoft Uighur"/>
+        <a:font script="Geor" typeface="Sylfaen"/>
+        <a:font script="Armn" typeface="Arial"/>
+        <a:font script="Bugi" typeface="Leelawadee UI"/>
+        <a:font script="Bopo" typeface="Microsoft JhengHei"/>
+        <a:font script="Java" typeface="Javanese Text"/>
+        <a:font script="Lisu" typeface="Segoe UI"/>
+        <a:font script="Mymr" typeface="Myanmar Text"/>
+        <a:font script="Nkoo" typeface="Ebrima"/>
+        <a:font script="Olck" typeface="Nirmala UI"/>
+        <a:font script="Osma" typeface="Ebrima"/>
+        <a:font script="Phag" typeface="Phagspa"/>
+        <a:font script="Syrn" typeface="Estrangelo Edessa"/>
+        <a:font script="Syrj" typeface="Estrangelo Edessa"/>
+        <a:font script="Syre" typeface="Estrangelo Edessa"/>
+        <a:font script="Sora" typeface="Nirmala UI"/>
+        <a:font script="Tale" typeface="Microsoft Tai Le"/>
+        <a:font script="Talu" typeface="Microsoft New Tai Lue"/>
+        <a:font script="Tfng" typeface="Ebrima"/>
+      </a:majorFont>
+      <a:minorFont>
+        <a:latin typeface="Calibri" panose="020F0502020204030204"/>
+        <a:ea typeface=""/>
+        <a:cs typeface=""/>
+        <a:font script="Jpan" typeface="游ゴシック"/>
+        <a:font script="Hang" typeface="맑은 고딕"/>
+        <a:font script="Hans" typeface="等线"/>
+        <a:font script="Hant" typeface="新細明體"/>
+        <a:font script="Arab" typeface="Arial"/>
+        <a:font script="Hebr" typeface="Arial"/>
+        <a:font script="Thai" typeface="Cordia New"/>
+        <a:font script="Ethi" typeface="Nyala"/>
+        <a:font script="Beng" typeface="Vrinda"/>
+        <a:font script="Gujr" typeface="Shruti"/>
+        <a:font script="Khmr" typeface="DaunPenh"/>
+        <a:font script="Knda" typeface="Tunga"/>
+        <a:font script="Guru" typeface="Raavi"/>
+        <a:font script="Cans" typeface="Euphemia"/>
+        <a:font script="Cher" typeface="Plantagenet Cherokee"/>
+        <a:font script="Yiii" typeface="Microsoft Yi Baiti"/>
+        <a:font script="Tibt" typeface="Microsoft Himalaya"/>
+        <a:font script="Thaa" typeface="MV Boli"/>
+        <a:font script="Deva" typeface="Mangal"/>
+        <a:font script="Telu" typeface="Gautami"/>
+        <a:font script="Taml" typeface="Latha"/>
+        <a:font script="Syrc" typeface="Estrangelo Edessa"/>
+        <a:font script="Orya" typeface="Kalinga"/>
+        <a:font script="Mlym" typeface="Kartika"/>
+        <a:font script="Laoo" typeface="DokChampa"/>
+        <a:font script="Sinh" typeface="Iskoola Pota"/>
+        <a:font script="Mong" typeface="Mongolian Baiti"/>
+        <a:font script="Viet" typeface="Arial"/>
+        <a:font script="Uigh" typeface="Microsoft Uighur"/>
+        <a:font script="Geor" typeface="Sylfaen"/>
+        <a:font script="Armn" typeface="Arial"/>
+        <a:font script="Bugi" typeface="Leelawadee UI"/>
+        <a:font script="Bopo" typeface="Microsoft JhengHei"/>
+        <a:font script="Java" typeface="Javanese Text"/>
+        <a:font script="Lisu" typeface="Segoe UI"/>
+        <a:font script="Mymr" typeface="Myanmar Text"/>
+        <a:font script="Nkoo" typeface="Ebrima"/>
+        <a:font script="Olck" typeface="Nirmala UI"/>
+        <a:font script="Osma" typeface="Ebrima"/>
+        <a:font script="Phag" typeface="Phagspa"/>
+        <a:font script="Syrn" typeface="Estrangelo Edessa"/>
+        <a:font script="Syrj" typeface="Estrangelo Edessa"/>
+        <a:font script="Syre" typeface="Estrangelo Edessa"/>
+        <a:font script="Sora" typeface="Nirmala UI"/>
+        <a:font script="Tale" typeface="Microsoft Tai Le"/>
+        <a:font script="Talu" typeface="Microsoft New Tai Lue"/>
+        <a:font script="Tfng" typeface="Ebrima"/>
+      </a:minorFont>
+    </a:fontScheme>
+    <a:fmtScheme name="Office">
+      <a:fillStyleLst>
+        <a:solidFill>
+          <a:schemeClr val="phClr"/>
+        </a:solidFill>
+        <a:gradFill rotWithShape="1">
+          <a:gsLst>
+            <a:gs pos="0">
+              <a:schemeClr val="phClr">
+                <a:lumMod val="110000"/>
+                <a:satMod val="105000"/>
+                <a:tint val="67000"/>
+              </a:schemeClr>
+            </a:gs>
+            <a:gs pos="50000">
+              <a:schemeClr val="phClr">
+                <a:lumMod val="105000"/>
+                <a:satMod val="103000"/>
+                <a:tint val="73000"/>
+              </a:schemeClr>
+            </a:gs>
+            <a:gs pos="100000">
+              <a:schemeClr val="phClr">
+                <a:lumMod val="105000"/>
+                <a:satMod val="109000"/>
+                <a:tint val="81000"/>
+              </a:schemeClr>
+            </a:gs>
+          </a:gsLst>
+          <a:lin ang="5400000" scaled="0"/>
+        </a:gradFill>
+        <a:gradFill rotWithShape="1">
+          <a:gsLst>
+            <a:gs pos="0">
+              <a:schemeClr val="phClr">
+                <a:satMod val="103000"/>
+                <a:lumMod val="102000"/>
+                <a:tint val="94000"/>
+              </a:schemeClr>
+            </a:gs>
+            <a:gs pos="50000">
+              <a:schemeClr val="phClr">
+                <a:satMod val="110000"/>
+                <a:lumMod val="100000"/>
+                <a:shade val="100000"/>
+              </a:schemeClr>
+            </a:gs>
+            <a:gs pos="100000">
+              <a:schemeClr val="phClr">
+                <a:lumMod val="99000"/>
+                <a:satMod val="120000"/>
+                <a:shade val="78000"/>
+              </a:schemeClr>
+            </a:gs>
+          </a:gsLst>
+          <a:lin ang="5400000" scaled="0"/>
+        </a:gradFill>
+      </a:fillStyleLst>
+      <a:lnStyleLst>
+        <a:ln w="6350" cap="flat" cmpd="sng" algn="ctr">
+          <a:solidFill>
+            <a:schemeClr val="phClr"/>
+          </a:solidFill>
+          <a:prstDash val="solid"/>
+          <a:miter lim="800000"/>
+        </a:ln>
+        <a:ln w="12700" cap="flat" cmpd="sng" algn="ctr">
+          <a:solidFill>
+            <a:schemeClr val="phClr"/>
+          </a:solidFill>
+          <a:prstDash val="solid"/>
+          <a:miter lim="800000"/>
+        </a:ln>
+        <a:ln w="19050" cap="flat" cmpd="sng" algn="ctr">
+          <a:solidFill>
+            <a:schemeClr val="phClr"/>
+          </a:solidFill>
+          <a:prstDash val="solid"/>
+          <a:miter lim="800000"/>
+        </a:ln>
+      </a:lnStyleLst>
+      <a:effectStyleLst>
+        <a:effectStyle>
+          <a:effectLst/>
+        </a:effectStyle>
+        <a:effectStyle>
+          <a:effectLst/>
+        </a:effectStyle>
+        <a:effectStyle>
+          <a:effectLst>
+            <a:outerShdw blurRad="57150" dist="19050" dir="5400000" algn="ctr" rotWithShape="0">
+              <a:srgbClr val="000000">
+                <a:alpha val="63000"/>
+              </a:srgbClr>
+            </a:outerShdw>
+          </a:effectLst>
+        </a:effectStyle>
+      </a:effectStyleLst>
+      <a:bgFillStyleLst>
+        <a:solidFill>
+          <a:schemeClr val="phClr"/>
+        </a:solidFill>
+        <a:solidFill>
+          <a:schemeClr val="phClr">
+            <a:tint val="95000"/>
+            <a:satMod val="170000"/>
+          </a:schemeClr>
+        </a:solidFill>
+        <a:gradFill rotWithShape="1">
+          <a:gsLst>
+            <a:gs pos="0">
+              <a:schemeClr val="phClr">
+                <a:tint val="93000"/>
+                <a:satMod val="150000"/>
+                <a:shade val="98000"/>
+                <a:lumMod val="102000"/>
+              </a:schemeClr>
+            </a:gs>
+            <a:gs pos="50000">
+              <a:schemeClr val="phClr">
+                <a:tint val="98000"/>
+                <a:satMod val="130000"/>
+                <a:shade val="90000"/>
+                <a:lumMod val="103000"/>
+              </a:schemeClr>
+            </a:gs>
+            <a:gs pos="100000">
+              <a:schemeClr val="phClr">
+                <a:shade val="63000"/>
+                <a:satMod val="120000"/>
+              </a:schemeClr>
+            </a:gs>
+          </a:gsLst>
+          <a:lin ang="5400000" scaled="0"/>
+        </a:gradFill>
+      </a:bgFillStyleLst>
+    </a:fmtScheme>
+  </a:themeElements>
+  <a:objectDefaults/>
+  <a:extraClrSchemeLst/>
+  <a:extLst>
+    <a:ext uri="{05A4C25C-085E-4340-85A3-A5531E510DB2}">
+      <thm15:themeFamily xmlns:thm15="http://schemas.microsoft.com/office/thememl/2012/main" name="Office Theme" id="{62F939B6-93AF-4DB8-9C6B-D6C7DFDC589F}" vid="{4A3C46E8-61CC-4603-A589-7422A47A8E4A}"/>
+    </a:ext>
+  </a:extLst>
+</a:theme>
 </file>